--- a/pearScalePres.pptx
+++ b/pearScalePres.pptx
@@ -8,11 +8,13 @@
     <p:sldId id="256" r:id="rId2"/>
     <p:sldId id="257" r:id="rId3"/>
     <p:sldId id="263" r:id="rId4"/>
-    <p:sldId id="258" r:id="rId5"/>
-    <p:sldId id="260" r:id="rId6"/>
-    <p:sldId id="261" r:id="rId7"/>
-    <p:sldId id="262" r:id="rId8"/>
-    <p:sldId id="259" r:id="rId9"/>
+    <p:sldId id="264" r:id="rId5"/>
+    <p:sldId id="258" r:id="rId6"/>
+    <p:sldId id="260" r:id="rId7"/>
+    <p:sldId id="261" r:id="rId8"/>
+    <p:sldId id="262" r:id="rId9"/>
+    <p:sldId id="259" r:id="rId10"/>
+    <p:sldId id="265" r:id="rId11"/>
   </p:sldIdLst>
   <p:sldSz cx="12192000" cy="6858000"/>
   <p:notesSz cx="6858000" cy="9144000"/>
@@ -111,6 +113,11 @@
       </a:defRPr>
     </a:lvl9pPr>
   </p:defaultTextStyle>
+  <p:extLst>
+    <p:ext uri="{EFAFB233-063F-42B5-8137-9DF3F51BA10A}">
+      <p15:sldGuideLst xmlns:p15="http://schemas.microsoft.com/office/powerpoint/2012/main"/>
+    </p:ext>
+  </p:extLst>
 </p:presentation>
 </file>
 
@@ -5859,6 +5866,90 @@
 </p:sld>
 </file>
 
+<file path=ppt/slides/slide10.xml><?xml version="1.0" encoding="utf-8"?>
+<p:sld xmlns:a="http://schemas.openxmlformats.org/drawingml/2006/main" xmlns:r="http://schemas.openxmlformats.org/officeDocument/2006/relationships" xmlns:p="http://schemas.openxmlformats.org/presentationml/2006/main">
+  <p:cSld>
+    <p:spTree>
+      <p:nvGrpSpPr>
+        <p:cNvPr id="1" name=""/>
+        <p:cNvGrpSpPr/>
+        <p:nvPr/>
+      </p:nvGrpSpPr>
+      <p:grpSpPr>
+        <a:xfrm>
+          <a:off x="0" y="0"/>
+          <a:ext cx="0" cy="0"/>
+          <a:chOff x="0" y="0"/>
+          <a:chExt cx="0" cy="0"/>
+        </a:xfrm>
+      </p:grpSpPr>
+      <p:sp>
+        <p:nvSpPr>
+          <p:cNvPr id="4" name="Title 3">
+            <a:extLst>
+              <a:ext uri="{FF2B5EF4-FFF2-40B4-BE49-F238E27FC236}">
+                <a16:creationId xmlns:a16="http://schemas.microsoft.com/office/drawing/2014/main" id="{3CF55980-2865-4200-8CFB-88D99AE4BD73}"/>
+              </a:ext>
+            </a:extLst>
+          </p:cNvPr>
+          <p:cNvSpPr>
+            <a:spLocks noGrp="1"/>
+          </p:cNvSpPr>
+          <p:nvPr>
+            <p:ph type="ctrTitle"/>
+          </p:nvPr>
+        </p:nvSpPr>
+        <p:spPr/>
+        <p:txBody>
+          <a:bodyPr/>
+          <a:lstStyle/>
+          <a:p>
+            <a:pPr algn="ctr"/>
+            <a:r>
+              <a:rPr lang="en-US" dirty="0"/>
+              <a:t>Demo</a:t>
+            </a:r>
+          </a:p>
+        </p:txBody>
+      </p:sp>
+      <p:sp>
+        <p:nvSpPr>
+          <p:cNvPr id="5" name="Subtitle 4">
+            <a:extLst>
+              <a:ext uri="{FF2B5EF4-FFF2-40B4-BE49-F238E27FC236}">
+                <a16:creationId xmlns:a16="http://schemas.microsoft.com/office/drawing/2014/main" id="{B5F227C3-49A8-461F-853A-379B58C6D750}"/>
+              </a:ext>
+            </a:extLst>
+          </p:cNvPr>
+          <p:cNvSpPr>
+            <a:spLocks noGrp="1"/>
+          </p:cNvSpPr>
+          <p:nvPr>
+            <p:ph type="subTitle" idx="1"/>
+          </p:nvPr>
+        </p:nvSpPr>
+        <p:spPr/>
+        <p:txBody>
+          <a:bodyPr/>
+          <a:lstStyle/>
+          <a:p>
+            <a:endParaRPr lang="en-US" dirty="0"/>
+          </a:p>
+        </p:txBody>
+      </p:sp>
+    </p:spTree>
+    <p:extLst>
+      <p:ext uri="{BB962C8B-B14F-4D97-AF65-F5344CB8AC3E}">
+        <p14:creationId xmlns:p14="http://schemas.microsoft.com/office/powerpoint/2010/main" val="3597095674"/>
+      </p:ext>
+    </p:extLst>
+  </p:cSld>
+  <p:clrMapOvr>
+    <a:masterClrMapping/>
+  </p:clrMapOvr>
+</p:sld>
+</file>
+
 <file path=ppt/slides/slide2.xml><?xml version="1.0" encoding="utf-8"?>
 <p:sld xmlns:a="http://schemas.openxmlformats.org/drawingml/2006/main" xmlns:r="http://schemas.openxmlformats.org/officeDocument/2006/relationships" xmlns:p="http://schemas.openxmlformats.org/presentationml/2006/main">
   <p:cSld>
@@ -6085,7 +6176,7 @@
         </p:nvSpPr>
         <p:spPr>
           <a:xfrm>
-            <a:off x="677334" y="609600"/>
+            <a:off x="677334" y="282103"/>
             <a:ext cx="8596668" cy="689811"/>
           </a:xfrm>
         </p:spPr>
@@ -6095,41 +6186,40 @@
           <a:p>
             <a:r>
               <a:rPr lang="en-US" dirty="0"/>
-              <a:t>Database Design</a:t>
-            </a:r>
-          </a:p>
-        </p:txBody>
-      </p:sp>
-      <p:sp>
-        <p:nvSpPr>
-          <p:cNvPr id="3" name="Content Placeholder 2">
+              <a:t>Database Design: ER Diagram</a:t>
+            </a:r>
+          </a:p>
+        </p:txBody>
+      </p:sp>
+      <p:pic>
+        <p:nvPicPr>
+          <p:cNvPr id="5" name="Content Placeholder 4" descr="A close up of a map&#10;&#10;Description automatically generated">
             <a:extLst>
               <a:ext uri="{FF2B5EF4-FFF2-40B4-BE49-F238E27FC236}">
-                <a16:creationId xmlns:a16="http://schemas.microsoft.com/office/drawing/2014/main" id="{AF27CBB2-9FC9-4BF5-B0B0-10803565ABB5}"/>
+                <a16:creationId xmlns:a16="http://schemas.microsoft.com/office/drawing/2014/main" id="{10908416-DD8D-4D68-B651-42720BD49DB4}"/>
               </a:ext>
             </a:extLst>
           </p:cNvPr>
-          <p:cNvSpPr>
-            <a:spLocks noGrp="1"/>
-          </p:cNvSpPr>
+          <p:cNvPicPr>
+            <a:picLocks noGrp="1" noChangeAspect="1"/>
+          </p:cNvPicPr>
           <p:nvPr>
             <p:ph idx="1"/>
           </p:nvPr>
-        </p:nvSpPr>
+        </p:nvPicPr>
+        <p:blipFill>
+          <a:blip r:embed="rId2"/>
+          <a:stretch>
+            <a:fillRect/>
+          </a:stretch>
+        </p:blipFill>
         <p:spPr>
           <a:xfrm>
-            <a:off x="677334" y="1299411"/>
-            <a:ext cx="8596668" cy="4741951"/>
+            <a:off x="376280" y="971914"/>
+            <a:ext cx="8596668" cy="5641803"/>
           </a:xfrm>
         </p:spPr>
-        <p:txBody>
-          <a:bodyPr/>
-          <a:lstStyle/>
-          <a:p>
-            <a:endParaRPr lang="en-US" dirty="0"/>
-          </a:p>
-        </p:txBody>
-      </p:sp>
+      </p:pic>
     </p:spTree>
     <p:extLst>
       <p:ext uri="{BB962C8B-B14F-4D97-AF65-F5344CB8AC3E}">
@@ -6165,6 +6255,97 @@
           <p:cNvPr id="2" name="Title 1">
             <a:extLst>
               <a:ext uri="{FF2B5EF4-FFF2-40B4-BE49-F238E27FC236}">
+                <a16:creationId xmlns:a16="http://schemas.microsoft.com/office/drawing/2014/main" id="{0CBE8273-DB88-43A8-A6A3-6D764A7FBA38}"/>
+              </a:ext>
+            </a:extLst>
+          </p:cNvPr>
+          <p:cNvSpPr>
+            <a:spLocks noGrp="1"/>
+          </p:cNvSpPr>
+          <p:nvPr>
+            <p:ph type="title"/>
+          </p:nvPr>
+        </p:nvSpPr>
+        <p:spPr>
+          <a:xfrm>
+            <a:off x="677334" y="282103"/>
+            <a:ext cx="8596668" cy="689811"/>
+          </a:xfrm>
+        </p:spPr>
+        <p:txBody>
+          <a:bodyPr/>
+          <a:lstStyle/>
+          <a:p>
+            <a:r>
+              <a:rPr lang="en-US" dirty="0"/>
+              <a:t>Database Design: Relational Schema</a:t>
+            </a:r>
+          </a:p>
+        </p:txBody>
+      </p:sp>
+      <p:pic>
+        <p:nvPicPr>
+          <p:cNvPr id="5" name="Content Placeholder 4">
+            <a:extLst>
+              <a:ext uri="{FF2B5EF4-FFF2-40B4-BE49-F238E27FC236}">
+                <a16:creationId xmlns:a16="http://schemas.microsoft.com/office/drawing/2014/main" id="{10908416-DD8D-4D68-B651-42720BD49DB4}"/>
+              </a:ext>
+            </a:extLst>
+          </p:cNvPr>
+          <p:cNvPicPr>
+            <a:picLocks noGrp="1" noChangeAspect="1"/>
+          </p:cNvPicPr>
+          <p:nvPr>
+            <p:ph idx="1"/>
+          </p:nvPr>
+        </p:nvPicPr>
+        <p:blipFill>
+          <a:blip r:embed="rId2"/>
+          <a:srcRect/>
+          <a:stretch/>
+        </p:blipFill>
+        <p:spPr>
+          <a:xfrm>
+            <a:off x="749589" y="971914"/>
+            <a:ext cx="7850050" cy="5641803"/>
+          </a:xfrm>
+        </p:spPr>
+      </p:pic>
+    </p:spTree>
+    <p:extLst>
+      <p:ext uri="{BB962C8B-B14F-4D97-AF65-F5344CB8AC3E}">
+        <p14:creationId xmlns:p14="http://schemas.microsoft.com/office/powerpoint/2010/main" val="3555830789"/>
+      </p:ext>
+    </p:extLst>
+  </p:cSld>
+  <p:clrMapOvr>
+    <a:masterClrMapping/>
+  </p:clrMapOvr>
+</p:sld>
+</file>
+
+<file path=ppt/slides/slide5.xml><?xml version="1.0" encoding="utf-8"?>
+<p:sld xmlns:a="http://schemas.openxmlformats.org/drawingml/2006/main" xmlns:r="http://schemas.openxmlformats.org/officeDocument/2006/relationships" xmlns:p="http://schemas.openxmlformats.org/presentationml/2006/main">
+  <p:cSld>
+    <p:spTree>
+      <p:nvGrpSpPr>
+        <p:cNvPr id="1" name=""/>
+        <p:cNvGrpSpPr/>
+        <p:nvPr/>
+      </p:nvGrpSpPr>
+      <p:grpSpPr>
+        <a:xfrm>
+          <a:off x="0" y="0"/>
+          <a:ext cx="0" cy="0"/>
+          <a:chOff x="0" y="0"/>
+          <a:chExt cx="0" cy="0"/>
+        </a:xfrm>
+      </p:grpSpPr>
+      <p:sp>
+        <p:nvSpPr>
+          <p:cNvPr id="2" name="Title 1">
+            <a:extLst>
+              <a:ext uri="{FF2B5EF4-FFF2-40B4-BE49-F238E27FC236}">
                 <a16:creationId xmlns:a16="http://schemas.microsoft.com/office/drawing/2014/main" id="{DE388676-3283-4A81-BD99-7836DC12D700}"/>
               </a:ext>
             </a:extLst>
@@ -6267,9 +6448,17 @@
 </p:sld>
 </file>
 
-<file path=ppt/slides/slide5.xml><?xml version="1.0" encoding="utf-8"?>
+<file path=ppt/slides/slide6.xml><?xml version="1.0" encoding="utf-8"?>
 <p:sld xmlns:a="http://schemas.openxmlformats.org/drawingml/2006/main" xmlns:r="http://schemas.openxmlformats.org/officeDocument/2006/relationships" xmlns:p="http://schemas.openxmlformats.org/presentationml/2006/main">
   <p:cSld>
+    <p:bg>
+      <p:bgPr>
+        <a:solidFill>
+          <a:schemeClr val="bg1"/>
+        </a:solidFill>
+        <a:effectLst/>
+      </p:bgPr>
+    </p:bg>
     <p:spTree>
       <p:nvGrpSpPr>
         <p:cNvPr id="1" name=""/>
@@ -6359,7 +6548,7 @@
 </p:sld>
 </file>
 
-<file path=ppt/slides/slide6.xml><?xml version="1.0" encoding="utf-8"?>
+<file path=ppt/slides/slide7.xml><?xml version="1.0" encoding="utf-8"?>
 <p:sld xmlns:a="http://schemas.openxmlformats.org/drawingml/2006/main" xmlns:r="http://schemas.openxmlformats.org/officeDocument/2006/relationships" xmlns:p="http://schemas.openxmlformats.org/presentationml/2006/main">
   <p:cSld>
     <p:spTree>
@@ -6450,7 +6639,7 @@
 </p:sld>
 </file>
 
-<file path=ppt/slides/slide7.xml><?xml version="1.0" encoding="utf-8"?>
+<file path=ppt/slides/slide8.xml><?xml version="1.0" encoding="utf-8"?>
 <p:sld xmlns:a="http://schemas.openxmlformats.org/drawingml/2006/main" xmlns:r="http://schemas.openxmlformats.org/officeDocument/2006/relationships" xmlns:p="http://schemas.openxmlformats.org/presentationml/2006/main">
   <p:cSld>
     <p:spTree>
@@ -6541,7 +6730,7 @@
 </p:sld>
 </file>
 
-<file path=ppt/slides/slide8.xml><?xml version="1.0" encoding="utf-8"?>
+<file path=ppt/slides/slide9.xml><?xml version="1.0" encoding="utf-8"?>
 <p:sld xmlns:a="http://schemas.openxmlformats.org/drawingml/2006/main" xmlns:r="http://schemas.openxmlformats.org/officeDocument/2006/relationships" xmlns:p="http://schemas.openxmlformats.org/presentationml/2006/main">
   <p:cSld>
     <p:spTree>

--- a/pearScalePres.pptx
+++ b/pearScalePres.pptx
@@ -5863,6 +5863,18 @@
   <p:clrMapOvr>
     <a:masterClrMapping/>
   </p:clrMapOvr>
+  <mc:AlternateContent xmlns:mc="http://schemas.openxmlformats.org/markup-compatibility/2006">
+    <mc:Choice xmlns:p159="http://schemas.microsoft.com/office/powerpoint/2015/09/main" Requires="p159">
+      <p:transition xmlns:p14="http://schemas.microsoft.com/office/powerpoint/2010/main" spd="slow" p14:dur="2000">
+        <p159:morph option="byObject"/>
+      </p:transition>
+    </mc:Choice>
+    <mc:Fallback>
+      <p:transition spd="slow">
+        <p:fade/>
+      </p:transition>
+    </mc:Fallback>
+  </mc:AlternateContent>
 </p:sld>
 </file>
 
@@ -5947,6 +5959,18 @@
   <p:clrMapOvr>
     <a:masterClrMapping/>
   </p:clrMapOvr>
+  <mc:AlternateContent xmlns:mc="http://schemas.openxmlformats.org/markup-compatibility/2006">
+    <mc:Choice xmlns:p15="http://schemas.microsoft.com/office/powerpoint/2012/main" Requires="p15">
+      <p:transition xmlns:p14="http://schemas.microsoft.com/office/powerpoint/2010/main" spd="slow" p14:dur="2000">
+        <p15:prstTrans prst="wind"/>
+      </p:transition>
+    </mc:Choice>
+    <mc:Fallback>
+      <p:transition spd="slow">
+        <p:fade/>
+      </p:transition>
+    </mc:Fallback>
+  </mc:AlternateContent>
 </p:sld>
 </file>
 
@@ -6051,7 +6075,7 @@
             <a:pPr lvl="1"/>
             <a:r>
               <a:rPr lang="en-US" dirty="0"/>
-              <a:t>Any page visitor can view fresh (newest) or ripe (top rated) pears on the homepage</a:t>
+              <a:t>Any page visitor can view Fresh (newest) or Ripe (top rated) pears on the homepage</a:t>
             </a:r>
           </a:p>
           <a:p>
@@ -6093,7 +6117,7 @@
             <a:pPr lvl="1"/>
             <a:r>
               <a:rPr lang="en-US" dirty="0"/>
-              <a:t>Any page visitor can search for pears by title, description, or tags</a:t>
+              <a:t>Any page visitor can search for pears by title, description, author, rating, or tags</a:t>
             </a:r>
           </a:p>
           <a:p>
@@ -6120,7 +6144,7 @@
             <a:pPr lvl="1"/>
             <a:r>
               <a:rPr lang="en-US" dirty="0"/>
-              <a:t>Users may not vote on the same pear multiple times</a:t>
+              <a:t>Only one rating per user per pear is allowed</a:t>
             </a:r>
           </a:p>
           <a:p>
@@ -6138,6 +6162,1420 @@
   <p:clrMapOvr>
     <a:masterClrMapping/>
   </p:clrMapOvr>
+  <mc:AlternateContent xmlns:mc="http://schemas.openxmlformats.org/markup-compatibility/2006">
+    <mc:Choice xmlns:p159="http://schemas.microsoft.com/office/powerpoint/2015/09/main" Requires="p159">
+      <p:transition xmlns:p14="http://schemas.microsoft.com/office/powerpoint/2010/main" spd="slow" p14:dur="2000">
+        <p159:morph option="byObject"/>
+      </p:transition>
+    </mc:Choice>
+    <mc:Fallback>
+      <p:transition spd="slow">
+        <p:fade/>
+      </p:transition>
+    </mc:Fallback>
+  </mc:AlternateContent>
+  <p:timing>
+    <p:tnLst>
+      <p:par>
+        <p:cTn id="1" dur="indefinite" restart="never" nodeType="tmRoot">
+          <p:childTnLst>
+            <p:seq concurrent="1" nextAc="seek">
+              <p:cTn id="2" dur="indefinite" nodeType="mainSeq">
+                <p:childTnLst>
+                  <p:par>
+                    <p:cTn id="3" fill="hold">
+                      <p:stCondLst>
+                        <p:cond delay="indefinite"/>
+                      </p:stCondLst>
+                      <p:childTnLst>
+                        <p:par>
+                          <p:cTn id="4" fill="hold">
+                            <p:stCondLst>
+                              <p:cond delay="0"/>
+                            </p:stCondLst>
+                            <p:childTnLst>
+                              <p:par>
+                                <p:cTn id="5" presetID="21" presetClass="entr" presetSubtype="1" fill="hold" grpId="0" nodeType="clickEffect">
+                                  <p:stCondLst>
+                                    <p:cond delay="0"/>
+                                  </p:stCondLst>
+                                  <p:childTnLst>
+                                    <p:set>
+                                      <p:cBhvr>
+                                        <p:cTn id="6" dur="1" fill="hold">
+                                          <p:stCondLst>
+                                            <p:cond delay="0"/>
+                                          </p:stCondLst>
+                                        </p:cTn>
+                                        <p:tgtEl>
+                                          <p:spTgt spid="2"/>
+                                        </p:tgtEl>
+                                        <p:attrNameLst>
+                                          <p:attrName>style.visibility</p:attrName>
+                                        </p:attrNameLst>
+                                      </p:cBhvr>
+                                      <p:to>
+                                        <p:strVal val="visible"/>
+                                      </p:to>
+                                    </p:set>
+                                    <p:animEffect transition="in" filter="wheel(1)">
+                                      <p:cBhvr>
+                                        <p:cTn id="7" dur="750"/>
+                                        <p:tgtEl>
+                                          <p:spTgt spid="2"/>
+                                        </p:tgtEl>
+                                      </p:cBhvr>
+                                    </p:animEffect>
+                                  </p:childTnLst>
+                                </p:cTn>
+                              </p:par>
+                            </p:childTnLst>
+                          </p:cTn>
+                        </p:par>
+                      </p:childTnLst>
+                    </p:cTn>
+                  </p:par>
+                  <p:par>
+                    <p:cTn id="8" fill="hold">
+                      <p:stCondLst>
+                        <p:cond delay="indefinite"/>
+                      </p:stCondLst>
+                      <p:childTnLst>
+                        <p:par>
+                          <p:cTn id="9" fill="hold">
+                            <p:stCondLst>
+                              <p:cond delay="0"/>
+                            </p:stCondLst>
+                            <p:childTnLst>
+                              <p:par>
+                                <p:cTn id="10" presetID="42" presetClass="entr" presetSubtype="0" fill="hold" grpId="0" nodeType="clickEffect">
+                                  <p:stCondLst>
+                                    <p:cond delay="0"/>
+                                  </p:stCondLst>
+                                  <p:childTnLst>
+                                    <p:set>
+                                      <p:cBhvr>
+                                        <p:cTn id="11" dur="1" fill="hold">
+                                          <p:stCondLst>
+                                            <p:cond delay="0"/>
+                                          </p:stCondLst>
+                                        </p:cTn>
+                                        <p:tgtEl>
+                                          <p:spTgt spid="3">
+                                            <p:txEl>
+                                              <p:pRg st="0" end="0"/>
+                                            </p:txEl>
+                                          </p:spTgt>
+                                        </p:tgtEl>
+                                        <p:attrNameLst>
+                                          <p:attrName>style.visibility</p:attrName>
+                                        </p:attrNameLst>
+                                      </p:cBhvr>
+                                      <p:to>
+                                        <p:strVal val="visible"/>
+                                      </p:to>
+                                    </p:set>
+                                    <p:animEffect transition="in" filter="fade">
+                                      <p:cBhvr>
+                                        <p:cTn id="12" dur="1000"/>
+                                        <p:tgtEl>
+                                          <p:spTgt spid="3">
+                                            <p:txEl>
+                                              <p:pRg st="0" end="0"/>
+                                            </p:txEl>
+                                          </p:spTgt>
+                                        </p:tgtEl>
+                                      </p:cBhvr>
+                                    </p:animEffect>
+                                    <p:anim calcmode="lin" valueType="num">
+                                      <p:cBhvr>
+                                        <p:cTn id="13" dur="1000" fill="hold"/>
+                                        <p:tgtEl>
+                                          <p:spTgt spid="3">
+                                            <p:txEl>
+                                              <p:pRg st="0" end="0"/>
+                                            </p:txEl>
+                                          </p:spTgt>
+                                        </p:tgtEl>
+                                        <p:attrNameLst>
+                                          <p:attrName>ppt_x</p:attrName>
+                                        </p:attrNameLst>
+                                      </p:cBhvr>
+                                      <p:tavLst>
+                                        <p:tav tm="0">
+                                          <p:val>
+                                            <p:strVal val="#ppt_x"/>
+                                          </p:val>
+                                        </p:tav>
+                                        <p:tav tm="100000">
+                                          <p:val>
+                                            <p:strVal val="#ppt_x"/>
+                                          </p:val>
+                                        </p:tav>
+                                      </p:tavLst>
+                                    </p:anim>
+                                    <p:anim calcmode="lin" valueType="num">
+                                      <p:cBhvr>
+                                        <p:cTn id="14" dur="1000" fill="hold"/>
+                                        <p:tgtEl>
+                                          <p:spTgt spid="3">
+                                            <p:txEl>
+                                              <p:pRg st="0" end="0"/>
+                                            </p:txEl>
+                                          </p:spTgt>
+                                        </p:tgtEl>
+                                        <p:attrNameLst>
+                                          <p:attrName>ppt_y</p:attrName>
+                                        </p:attrNameLst>
+                                      </p:cBhvr>
+                                      <p:tavLst>
+                                        <p:tav tm="0">
+                                          <p:val>
+                                            <p:strVal val="#ppt_y+.1"/>
+                                          </p:val>
+                                        </p:tav>
+                                        <p:tav tm="100000">
+                                          <p:val>
+                                            <p:strVal val="#ppt_y"/>
+                                          </p:val>
+                                        </p:tav>
+                                      </p:tavLst>
+                                    </p:anim>
+                                  </p:childTnLst>
+                                </p:cTn>
+                              </p:par>
+                            </p:childTnLst>
+                          </p:cTn>
+                        </p:par>
+                      </p:childTnLst>
+                    </p:cTn>
+                  </p:par>
+                  <p:par>
+                    <p:cTn id="15" fill="hold">
+                      <p:stCondLst>
+                        <p:cond delay="indefinite"/>
+                      </p:stCondLst>
+                      <p:childTnLst>
+                        <p:par>
+                          <p:cTn id="16" fill="hold">
+                            <p:stCondLst>
+                              <p:cond delay="0"/>
+                            </p:stCondLst>
+                            <p:childTnLst>
+                              <p:par>
+                                <p:cTn id="17" presetID="42" presetClass="entr" presetSubtype="0" fill="hold" grpId="0" nodeType="clickEffect">
+                                  <p:stCondLst>
+                                    <p:cond delay="0"/>
+                                  </p:stCondLst>
+                                  <p:childTnLst>
+                                    <p:set>
+                                      <p:cBhvr>
+                                        <p:cTn id="18" dur="1" fill="hold">
+                                          <p:stCondLst>
+                                            <p:cond delay="0"/>
+                                          </p:stCondLst>
+                                        </p:cTn>
+                                        <p:tgtEl>
+                                          <p:spTgt spid="3">
+                                            <p:txEl>
+                                              <p:pRg st="1" end="1"/>
+                                            </p:txEl>
+                                          </p:spTgt>
+                                        </p:tgtEl>
+                                        <p:attrNameLst>
+                                          <p:attrName>style.visibility</p:attrName>
+                                        </p:attrNameLst>
+                                      </p:cBhvr>
+                                      <p:to>
+                                        <p:strVal val="visible"/>
+                                      </p:to>
+                                    </p:set>
+                                    <p:animEffect transition="in" filter="fade">
+                                      <p:cBhvr>
+                                        <p:cTn id="19" dur="1000"/>
+                                        <p:tgtEl>
+                                          <p:spTgt spid="3">
+                                            <p:txEl>
+                                              <p:pRg st="1" end="1"/>
+                                            </p:txEl>
+                                          </p:spTgt>
+                                        </p:tgtEl>
+                                      </p:cBhvr>
+                                    </p:animEffect>
+                                    <p:anim calcmode="lin" valueType="num">
+                                      <p:cBhvr>
+                                        <p:cTn id="20" dur="1000" fill="hold"/>
+                                        <p:tgtEl>
+                                          <p:spTgt spid="3">
+                                            <p:txEl>
+                                              <p:pRg st="1" end="1"/>
+                                            </p:txEl>
+                                          </p:spTgt>
+                                        </p:tgtEl>
+                                        <p:attrNameLst>
+                                          <p:attrName>ppt_x</p:attrName>
+                                        </p:attrNameLst>
+                                      </p:cBhvr>
+                                      <p:tavLst>
+                                        <p:tav tm="0">
+                                          <p:val>
+                                            <p:strVal val="#ppt_x"/>
+                                          </p:val>
+                                        </p:tav>
+                                        <p:tav tm="100000">
+                                          <p:val>
+                                            <p:strVal val="#ppt_x"/>
+                                          </p:val>
+                                        </p:tav>
+                                      </p:tavLst>
+                                    </p:anim>
+                                    <p:anim calcmode="lin" valueType="num">
+                                      <p:cBhvr>
+                                        <p:cTn id="21" dur="1000" fill="hold"/>
+                                        <p:tgtEl>
+                                          <p:spTgt spid="3">
+                                            <p:txEl>
+                                              <p:pRg st="1" end="1"/>
+                                            </p:txEl>
+                                          </p:spTgt>
+                                        </p:tgtEl>
+                                        <p:attrNameLst>
+                                          <p:attrName>ppt_y</p:attrName>
+                                        </p:attrNameLst>
+                                      </p:cBhvr>
+                                      <p:tavLst>
+                                        <p:tav tm="0">
+                                          <p:val>
+                                            <p:strVal val="#ppt_y+.1"/>
+                                          </p:val>
+                                        </p:tav>
+                                        <p:tav tm="100000">
+                                          <p:val>
+                                            <p:strVal val="#ppt_y"/>
+                                          </p:val>
+                                        </p:tav>
+                                      </p:tavLst>
+                                    </p:anim>
+                                  </p:childTnLst>
+                                </p:cTn>
+                              </p:par>
+                              <p:par>
+                                <p:cTn id="22" presetID="42" presetClass="entr" presetSubtype="0" fill="hold" grpId="0" nodeType="withEffect">
+                                  <p:stCondLst>
+                                    <p:cond delay="0"/>
+                                  </p:stCondLst>
+                                  <p:childTnLst>
+                                    <p:set>
+                                      <p:cBhvr>
+                                        <p:cTn id="23" dur="1" fill="hold">
+                                          <p:stCondLst>
+                                            <p:cond delay="0"/>
+                                          </p:stCondLst>
+                                        </p:cTn>
+                                        <p:tgtEl>
+                                          <p:spTgt spid="3">
+                                            <p:txEl>
+                                              <p:pRg st="2" end="2"/>
+                                            </p:txEl>
+                                          </p:spTgt>
+                                        </p:tgtEl>
+                                        <p:attrNameLst>
+                                          <p:attrName>style.visibility</p:attrName>
+                                        </p:attrNameLst>
+                                      </p:cBhvr>
+                                      <p:to>
+                                        <p:strVal val="visible"/>
+                                      </p:to>
+                                    </p:set>
+                                    <p:animEffect transition="in" filter="fade">
+                                      <p:cBhvr>
+                                        <p:cTn id="24" dur="1000"/>
+                                        <p:tgtEl>
+                                          <p:spTgt spid="3">
+                                            <p:txEl>
+                                              <p:pRg st="2" end="2"/>
+                                            </p:txEl>
+                                          </p:spTgt>
+                                        </p:tgtEl>
+                                      </p:cBhvr>
+                                    </p:animEffect>
+                                    <p:anim calcmode="lin" valueType="num">
+                                      <p:cBhvr>
+                                        <p:cTn id="25" dur="1000" fill="hold"/>
+                                        <p:tgtEl>
+                                          <p:spTgt spid="3">
+                                            <p:txEl>
+                                              <p:pRg st="2" end="2"/>
+                                            </p:txEl>
+                                          </p:spTgt>
+                                        </p:tgtEl>
+                                        <p:attrNameLst>
+                                          <p:attrName>ppt_x</p:attrName>
+                                        </p:attrNameLst>
+                                      </p:cBhvr>
+                                      <p:tavLst>
+                                        <p:tav tm="0">
+                                          <p:val>
+                                            <p:strVal val="#ppt_x"/>
+                                          </p:val>
+                                        </p:tav>
+                                        <p:tav tm="100000">
+                                          <p:val>
+                                            <p:strVal val="#ppt_x"/>
+                                          </p:val>
+                                        </p:tav>
+                                      </p:tavLst>
+                                    </p:anim>
+                                    <p:anim calcmode="lin" valueType="num">
+                                      <p:cBhvr>
+                                        <p:cTn id="26" dur="1000" fill="hold"/>
+                                        <p:tgtEl>
+                                          <p:spTgt spid="3">
+                                            <p:txEl>
+                                              <p:pRg st="2" end="2"/>
+                                            </p:txEl>
+                                          </p:spTgt>
+                                        </p:tgtEl>
+                                        <p:attrNameLst>
+                                          <p:attrName>ppt_y</p:attrName>
+                                        </p:attrNameLst>
+                                      </p:cBhvr>
+                                      <p:tavLst>
+                                        <p:tav tm="0">
+                                          <p:val>
+                                            <p:strVal val="#ppt_y+.1"/>
+                                          </p:val>
+                                        </p:tav>
+                                        <p:tav tm="100000">
+                                          <p:val>
+                                            <p:strVal val="#ppt_y"/>
+                                          </p:val>
+                                        </p:tav>
+                                      </p:tavLst>
+                                    </p:anim>
+                                  </p:childTnLst>
+                                </p:cTn>
+                              </p:par>
+                              <p:par>
+                                <p:cTn id="27" presetID="42" presetClass="entr" presetSubtype="0" fill="hold" grpId="0" nodeType="withEffect">
+                                  <p:stCondLst>
+                                    <p:cond delay="0"/>
+                                  </p:stCondLst>
+                                  <p:childTnLst>
+                                    <p:set>
+                                      <p:cBhvr>
+                                        <p:cTn id="28" dur="1" fill="hold">
+                                          <p:stCondLst>
+                                            <p:cond delay="0"/>
+                                          </p:stCondLst>
+                                        </p:cTn>
+                                        <p:tgtEl>
+                                          <p:spTgt spid="3">
+                                            <p:txEl>
+                                              <p:pRg st="3" end="3"/>
+                                            </p:txEl>
+                                          </p:spTgt>
+                                        </p:tgtEl>
+                                        <p:attrNameLst>
+                                          <p:attrName>style.visibility</p:attrName>
+                                        </p:attrNameLst>
+                                      </p:cBhvr>
+                                      <p:to>
+                                        <p:strVal val="visible"/>
+                                      </p:to>
+                                    </p:set>
+                                    <p:animEffect transition="in" filter="fade">
+                                      <p:cBhvr>
+                                        <p:cTn id="29" dur="1000"/>
+                                        <p:tgtEl>
+                                          <p:spTgt spid="3">
+                                            <p:txEl>
+                                              <p:pRg st="3" end="3"/>
+                                            </p:txEl>
+                                          </p:spTgt>
+                                        </p:tgtEl>
+                                      </p:cBhvr>
+                                    </p:animEffect>
+                                    <p:anim calcmode="lin" valueType="num">
+                                      <p:cBhvr>
+                                        <p:cTn id="30" dur="1000" fill="hold"/>
+                                        <p:tgtEl>
+                                          <p:spTgt spid="3">
+                                            <p:txEl>
+                                              <p:pRg st="3" end="3"/>
+                                            </p:txEl>
+                                          </p:spTgt>
+                                        </p:tgtEl>
+                                        <p:attrNameLst>
+                                          <p:attrName>ppt_x</p:attrName>
+                                        </p:attrNameLst>
+                                      </p:cBhvr>
+                                      <p:tavLst>
+                                        <p:tav tm="0">
+                                          <p:val>
+                                            <p:strVal val="#ppt_x"/>
+                                          </p:val>
+                                        </p:tav>
+                                        <p:tav tm="100000">
+                                          <p:val>
+                                            <p:strVal val="#ppt_x"/>
+                                          </p:val>
+                                        </p:tav>
+                                      </p:tavLst>
+                                    </p:anim>
+                                    <p:anim calcmode="lin" valueType="num">
+                                      <p:cBhvr>
+                                        <p:cTn id="31" dur="1000" fill="hold"/>
+                                        <p:tgtEl>
+                                          <p:spTgt spid="3">
+                                            <p:txEl>
+                                              <p:pRg st="3" end="3"/>
+                                            </p:txEl>
+                                          </p:spTgt>
+                                        </p:tgtEl>
+                                        <p:attrNameLst>
+                                          <p:attrName>ppt_y</p:attrName>
+                                        </p:attrNameLst>
+                                      </p:cBhvr>
+                                      <p:tavLst>
+                                        <p:tav tm="0">
+                                          <p:val>
+                                            <p:strVal val="#ppt_y+.1"/>
+                                          </p:val>
+                                        </p:tav>
+                                        <p:tav tm="100000">
+                                          <p:val>
+                                            <p:strVal val="#ppt_y"/>
+                                          </p:val>
+                                        </p:tav>
+                                      </p:tavLst>
+                                    </p:anim>
+                                  </p:childTnLst>
+                                </p:cTn>
+                              </p:par>
+                              <p:par>
+                                <p:cTn id="32" presetID="42" presetClass="entr" presetSubtype="0" fill="hold" grpId="0" nodeType="withEffect">
+                                  <p:stCondLst>
+                                    <p:cond delay="0"/>
+                                  </p:stCondLst>
+                                  <p:childTnLst>
+                                    <p:set>
+                                      <p:cBhvr>
+                                        <p:cTn id="33" dur="1" fill="hold">
+                                          <p:stCondLst>
+                                            <p:cond delay="0"/>
+                                          </p:stCondLst>
+                                        </p:cTn>
+                                        <p:tgtEl>
+                                          <p:spTgt spid="3">
+                                            <p:txEl>
+                                              <p:pRg st="4" end="4"/>
+                                            </p:txEl>
+                                          </p:spTgt>
+                                        </p:tgtEl>
+                                        <p:attrNameLst>
+                                          <p:attrName>style.visibility</p:attrName>
+                                        </p:attrNameLst>
+                                      </p:cBhvr>
+                                      <p:to>
+                                        <p:strVal val="visible"/>
+                                      </p:to>
+                                    </p:set>
+                                    <p:animEffect transition="in" filter="fade">
+                                      <p:cBhvr>
+                                        <p:cTn id="34" dur="1000"/>
+                                        <p:tgtEl>
+                                          <p:spTgt spid="3">
+                                            <p:txEl>
+                                              <p:pRg st="4" end="4"/>
+                                            </p:txEl>
+                                          </p:spTgt>
+                                        </p:tgtEl>
+                                      </p:cBhvr>
+                                    </p:animEffect>
+                                    <p:anim calcmode="lin" valueType="num">
+                                      <p:cBhvr>
+                                        <p:cTn id="35" dur="1000" fill="hold"/>
+                                        <p:tgtEl>
+                                          <p:spTgt spid="3">
+                                            <p:txEl>
+                                              <p:pRg st="4" end="4"/>
+                                            </p:txEl>
+                                          </p:spTgt>
+                                        </p:tgtEl>
+                                        <p:attrNameLst>
+                                          <p:attrName>ppt_x</p:attrName>
+                                        </p:attrNameLst>
+                                      </p:cBhvr>
+                                      <p:tavLst>
+                                        <p:tav tm="0">
+                                          <p:val>
+                                            <p:strVal val="#ppt_x"/>
+                                          </p:val>
+                                        </p:tav>
+                                        <p:tav tm="100000">
+                                          <p:val>
+                                            <p:strVal val="#ppt_x"/>
+                                          </p:val>
+                                        </p:tav>
+                                      </p:tavLst>
+                                    </p:anim>
+                                    <p:anim calcmode="lin" valueType="num">
+                                      <p:cBhvr>
+                                        <p:cTn id="36" dur="1000" fill="hold"/>
+                                        <p:tgtEl>
+                                          <p:spTgt spid="3">
+                                            <p:txEl>
+                                              <p:pRg st="4" end="4"/>
+                                            </p:txEl>
+                                          </p:spTgt>
+                                        </p:tgtEl>
+                                        <p:attrNameLst>
+                                          <p:attrName>ppt_y</p:attrName>
+                                        </p:attrNameLst>
+                                      </p:cBhvr>
+                                      <p:tavLst>
+                                        <p:tav tm="0">
+                                          <p:val>
+                                            <p:strVal val="#ppt_y+.1"/>
+                                          </p:val>
+                                        </p:tav>
+                                        <p:tav tm="100000">
+                                          <p:val>
+                                            <p:strVal val="#ppt_y"/>
+                                          </p:val>
+                                        </p:tav>
+                                      </p:tavLst>
+                                    </p:anim>
+                                  </p:childTnLst>
+                                </p:cTn>
+                              </p:par>
+                              <p:par>
+                                <p:cTn id="37" presetID="42" presetClass="entr" presetSubtype="0" fill="hold" grpId="0" nodeType="withEffect">
+                                  <p:stCondLst>
+                                    <p:cond delay="0"/>
+                                  </p:stCondLst>
+                                  <p:childTnLst>
+                                    <p:set>
+                                      <p:cBhvr>
+                                        <p:cTn id="38" dur="1" fill="hold">
+                                          <p:stCondLst>
+                                            <p:cond delay="0"/>
+                                          </p:stCondLst>
+                                        </p:cTn>
+                                        <p:tgtEl>
+                                          <p:spTgt spid="3">
+                                            <p:txEl>
+                                              <p:pRg st="5" end="5"/>
+                                            </p:txEl>
+                                          </p:spTgt>
+                                        </p:tgtEl>
+                                        <p:attrNameLst>
+                                          <p:attrName>style.visibility</p:attrName>
+                                        </p:attrNameLst>
+                                      </p:cBhvr>
+                                      <p:to>
+                                        <p:strVal val="visible"/>
+                                      </p:to>
+                                    </p:set>
+                                    <p:animEffect transition="in" filter="fade">
+                                      <p:cBhvr>
+                                        <p:cTn id="39" dur="1000"/>
+                                        <p:tgtEl>
+                                          <p:spTgt spid="3">
+                                            <p:txEl>
+                                              <p:pRg st="5" end="5"/>
+                                            </p:txEl>
+                                          </p:spTgt>
+                                        </p:tgtEl>
+                                      </p:cBhvr>
+                                    </p:animEffect>
+                                    <p:anim calcmode="lin" valueType="num">
+                                      <p:cBhvr>
+                                        <p:cTn id="40" dur="1000" fill="hold"/>
+                                        <p:tgtEl>
+                                          <p:spTgt spid="3">
+                                            <p:txEl>
+                                              <p:pRg st="5" end="5"/>
+                                            </p:txEl>
+                                          </p:spTgt>
+                                        </p:tgtEl>
+                                        <p:attrNameLst>
+                                          <p:attrName>ppt_x</p:attrName>
+                                        </p:attrNameLst>
+                                      </p:cBhvr>
+                                      <p:tavLst>
+                                        <p:tav tm="0">
+                                          <p:val>
+                                            <p:strVal val="#ppt_x"/>
+                                          </p:val>
+                                        </p:tav>
+                                        <p:tav tm="100000">
+                                          <p:val>
+                                            <p:strVal val="#ppt_x"/>
+                                          </p:val>
+                                        </p:tav>
+                                      </p:tavLst>
+                                    </p:anim>
+                                    <p:anim calcmode="lin" valueType="num">
+                                      <p:cBhvr>
+                                        <p:cTn id="41" dur="1000" fill="hold"/>
+                                        <p:tgtEl>
+                                          <p:spTgt spid="3">
+                                            <p:txEl>
+                                              <p:pRg st="5" end="5"/>
+                                            </p:txEl>
+                                          </p:spTgt>
+                                        </p:tgtEl>
+                                        <p:attrNameLst>
+                                          <p:attrName>ppt_y</p:attrName>
+                                        </p:attrNameLst>
+                                      </p:cBhvr>
+                                      <p:tavLst>
+                                        <p:tav tm="0">
+                                          <p:val>
+                                            <p:strVal val="#ppt_y+.1"/>
+                                          </p:val>
+                                        </p:tav>
+                                        <p:tav tm="100000">
+                                          <p:val>
+                                            <p:strVal val="#ppt_y"/>
+                                          </p:val>
+                                        </p:tav>
+                                      </p:tavLst>
+                                    </p:anim>
+                                  </p:childTnLst>
+                                </p:cTn>
+                              </p:par>
+                              <p:par>
+                                <p:cTn id="42" presetID="42" presetClass="entr" presetSubtype="0" fill="hold" grpId="0" nodeType="withEffect">
+                                  <p:stCondLst>
+                                    <p:cond delay="0"/>
+                                  </p:stCondLst>
+                                  <p:childTnLst>
+                                    <p:set>
+                                      <p:cBhvr>
+                                        <p:cTn id="43" dur="1" fill="hold">
+                                          <p:stCondLst>
+                                            <p:cond delay="0"/>
+                                          </p:stCondLst>
+                                        </p:cTn>
+                                        <p:tgtEl>
+                                          <p:spTgt spid="3">
+                                            <p:txEl>
+                                              <p:pRg st="6" end="6"/>
+                                            </p:txEl>
+                                          </p:spTgt>
+                                        </p:tgtEl>
+                                        <p:attrNameLst>
+                                          <p:attrName>style.visibility</p:attrName>
+                                        </p:attrNameLst>
+                                      </p:cBhvr>
+                                      <p:to>
+                                        <p:strVal val="visible"/>
+                                      </p:to>
+                                    </p:set>
+                                    <p:animEffect transition="in" filter="fade">
+                                      <p:cBhvr>
+                                        <p:cTn id="44" dur="1000"/>
+                                        <p:tgtEl>
+                                          <p:spTgt spid="3">
+                                            <p:txEl>
+                                              <p:pRg st="6" end="6"/>
+                                            </p:txEl>
+                                          </p:spTgt>
+                                        </p:tgtEl>
+                                      </p:cBhvr>
+                                    </p:animEffect>
+                                    <p:anim calcmode="lin" valueType="num">
+                                      <p:cBhvr>
+                                        <p:cTn id="45" dur="1000" fill="hold"/>
+                                        <p:tgtEl>
+                                          <p:spTgt spid="3">
+                                            <p:txEl>
+                                              <p:pRg st="6" end="6"/>
+                                            </p:txEl>
+                                          </p:spTgt>
+                                        </p:tgtEl>
+                                        <p:attrNameLst>
+                                          <p:attrName>ppt_x</p:attrName>
+                                        </p:attrNameLst>
+                                      </p:cBhvr>
+                                      <p:tavLst>
+                                        <p:tav tm="0">
+                                          <p:val>
+                                            <p:strVal val="#ppt_x"/>
+                                          </p:val>
+                                        </p:tav>
+                                        <p:tav tm="100000">
+                                          <p:val>
+                                            <p:strVal val="#ppt_x"/>
+                                          </p:val>
+                                        </p:tav>
+                                      </p:tavLst>
+                                    </p:anim>
+                                    <p:anim calcmode="lin" valueType="num">
+                                      <p:cBhvr>
+                                        <p:cTn id="46" dur="1000" fill="hold"/>
+                                        <p:tgtEl>
+                                          <p:spTgt spid="3">
+                                            <p:txEl>
+                                              <p:pRg st="6" end="6"/>
+                                            </p:txEl>
+                                          </p:spTgt>
+                                        </p:tgtEl>
+                                        <p:attrNameLst>
+                                          <p:attrName>ppt_y</p:attrName>
+                                        </p:attrNameLst>
+                                      </p:cBhvr>
+                                      <p:tavLst>
+                                        <p:tav tm="0">
+                                          <p:val>
+                                            <p:strVal val="#ppt_y+.1"/>
+                                          </p:val>
+                                        </p:tav>
+                                        <p:tav tm="100000">
+                                          <p:val>
+                                            <p:strVal val="#ppt_y"/>
+                                          </p:val>
+                                        </p:tav>
+                                      </p:tavLst>
+                                    </p:anim>
+                                  </p:childTnLst>
+                                </p:cTn>
+                              </p:par>
+                              <p:par>
+                                <p:cTn id="47" presetID="42" presetClass="entr" presetSubtype="0" fill="hold" grpId="0" nodeType="withEffect">
+                                  <p:stCondLst>
+                                    <p:cond delay="0"/>
+                                  </p:stCondLst>
+                                  <p:childTnLst>
+                                    <p:set>
+                                      <p:cBhvr>
+                                        <p:cTn id="48" dur="1" fill="hold">
+                                          <p:stCondLst>
+                                            <p:cond delay="0"/>
+                                          </p:stCondLst>
+                                        </p:cTn>
+                                        <p:tgtEl>
+                                          <p:spTgt spid="3">
+                                            <p:txEl>
+                                              <p:pRg st="7" end="7"/>
+                                            </p:txEl>
+                                          </p:spTgt>
+                                        </p:tgtEl>
+                                        <p:attrNameLst>
+                                          <p:attrName>style.visibility</p:attrName>
+                                        </p:attrNameLst>
+                                      </p:cBhvr>
+                                      <p:to>
+                                        <p:strVal val="visible"/>
+                                      </p:to>
+                                    </p:set>
+                                    <p:animEffect transition="in" filter="fade">
+                                      <p:cBhvr>
+                                        <p:cTn id="49" dur="1000"/>
+                                        <p:tgtEl>
+                                          <p:spTgt spid="3">
+                                            <p:txEl>
+                                              <p:pRg st="7" end="7"/>
+                                            </p:txEl>
+                                          </p:spTgt>
+                                        </p:tgtEl>
+                                      </p:cBhvr>
+                                    </p:animEffect>
+                                    <p:anim calcmode="lin" valueType="num">
+                                      <p:cBhvr>
+                                        <p:cTn id="50" dur="1000" fill="hold"/>
+                                        <p:tgtEl>
+                                          <p:spTgt spid="3">
+                                            <p:txEl>
+                                              <p:pRg st="7" end="7"/>
+                                            </p:txEl>
+                                          </p:spTgt>
+                                        </p:tgtEl>
+                                        <p:attrNameLst>
+                                          <p:attrName>ppt_x</p:attrName>
+                                        </p:attrNameLst>
+                                      </p:cBhvr>
+                                      <p:tavLst>
+                                        <p:tav tm="0">
+                                          <p:val>
+                                            <p:strVal val="#ppt_x"/>
+                                          </p:val>
+                                        </p:tav>
+                                        <p:tav tm="100000">
+                                          <p:val>
+                                            <p:strVal val="#ppt_x"/>
+                                          </p:val>
+                                        </p:tav>
+                                      </p:tavLst>
+                                    </p:anim>
+                                    <p:anim calcmode="lin" valueType="num">
+                                      <p:cBhvr>
+                                        <p:cTn id="51" dur="1000" fill="hold"/>
+                                        <p:tgtEl>
+                                          <p:spTgt spid="3">
+                                            <p:txEl>
+                                              <p:pRg st="7" end="7"/>
+                                            </p:txEl>
+                                          </p:spTgt>
+                                        </p:tgtEl>
+                                        <p:attrNameLst>
+                                          <p:attrName>ppt_y</p:attrName>
+                                        </p:attrNameLst>
+                                      </p:cBhvr>
+                                      <p:tavLst>
+                                        <p:tav tm="0">
+                                          <p:val>
+                                            <p:strVal val="#ppt_y+.1"/>
+                                          </p:val>
+                                        </p:tav>
+                                        <p:tav tm="100000">
+                                          <p:val>
+                                            <p:strVal val="#ppt_y"/>
+                                          </p:val>
+                                        </p:tav>
+                                      </p:tavLst>
+                                    </p:anim>
+                                  </p:childTnLst>
+                                </p:cTn>
+                              </p:par>
+                              <p:par>
+                                <p:cTn id="52" presetID="42" presetClass="entr" presetSubtype="0" fill="hold" grpId="0" nodeType="withEffect">
+                                  <p:stCondLst>
+                                    <p:cond delay="0"/>
+                                  </p:stCondLst>
+                                  <p:childTnLst>
+                                    <p:set>
+                                      <p:cBhvr>
+                                        <p:cTn id="53" dur="1" fill="hold">
+                                          <p:stCondLst>
+                                            <p:cond delay="0"/>
+                                          </p:stCondLst>
+                                        </p:cTn>
+                                        <p:tgtEl>
+                                          <p:spTgt spid="3">
+                                            <p:txEl>
+                                              <p:pRg st="8" end="8"/>
+                                            </p:txEl>
+                                          </p:spTgt>
+                                        </p:tgtEl>
+                                        <p:attrNameLst>
+                                          <p:attrName>style.visibility</p:attrName>
+                                        </p:attrNameLst>
+                                      </p:cBhvr>
+                                      <p:to>
+                                        <p:strVal val="visible"/>
+                                      </p:to>
+                                    </p:set>
+                                    <p:animEffect transition="in" filter="fade">
+                                      <p:cBhvr>
+                                        <p:cTn id="54" dur="1000"/>
+                                        <p:tgtEl>
+                                          <p:spTgt spid="3">
+                                            <p:txEl>
+                                              <p:pRg st="8" end="8"/>
+                                            </p:txEl>
+                                          </p:spTgt>
+                                        </p:tgtEl>
+                                      </p:cBhvr>
+                                    </p:animEffect>
+                                    <p:anim calcmode="lin" valueType="num">
+                                      <p:cBhvr>
+                                        <p:cTn id="55" dur="1000" fill="hold"/>
+                                        <p:tgtEl>
+                                          <p:spTgt spid="3">
+                                            <p:txEl>
+                                              <p:pRg st="8" end="8"/>
+                                            </p:txEl>
+                                          </p:spTgt>
+                                        </p:tgtEl>
+                                        <p:attrNameLst>
+                                          <p:attrName>ppt_x</p:attrName>
+                                        </p:attrNameLst>
+                                      </p:cBhvr>
+                                      <p:tavLst>
+                                        <p:tav tm="0">
+                                          <p:val>
+                                            <p:strVal val="#ppt_x"/>
+                                          </p:val>
+                                        </p:tav>
+                                        <p:tav tm="100000">
+                                          <p:val>
+                                            <p:strVal val="#ppt_x"/>
+                                          </p:val>
+                                        </p:tav>
+                                      </p:tavLst>
+                                    </p:anim>
+                                    <p:anim calcmode="lin" valueType="num">
+                                      <p:cBhvr>
+                                        <p:cTn id="56" dur="1000" fill="hold"/>
+                                        <p:tgtEl>
+                                          <p:spTgt spid="3">
+                                            <p:txEl>
+                                              <p:pRg st="8" end="8"/>
+                                            </p:txEl>
+                                          </p:spTgt>
+                                        </p:tgtEl>
+                                        <p:attrNameLst>
+                                          <p:attrName>ppt_y</p:attrName>
+                                        </p:attrNameLst>
+                                      </p:cBhvr>
+                                      <p:tavLst>
+                                        <p:tav tm="0">
+                                          <p:val>
+                                            <p:strVal val="#ppt_y+.1"/>
+                                          </p:val>
+                                        </p:tav>
+                                        <p:tav tm="100000">
+                                          <p:val>
+                                            <p:strVal val="#ppt_y"/>
+                                          </p:val>
+                                        </p:tav>
+                                      </p:tavLst>
+                                    </p:anim>
+                                  </p:childTnLst>
+                                </p:cTn>
+                              </p:par>
+                            </p:childTnLst>
+                          </p:cTn>
+                        </p:par>
+                      </p:childTnLst>
+                    </p:cTn>
+                  </p:par>
+                  <p:par>
+                    <p:cTn id="57" fill="hold">
+                      <p:stCondLst>
+                        <p:cond delay="indefinite"/>
+                      </p:stCondLst>
+                      <p:childTnLst>
+                        <p:par>
+                          <p:cTn id="58" fill="hold">
+                            <p:stCondLst>
+                              <p:cond delay="0"/>
+                            </p:stCondLst>
+                            <p:childTnLst>
+                              <p:par>
+                                <p:cTn id="59" presetID="42" presetClass="entr" presetSubtype="0" fill="hold" grpId="0" nodeType="clickEffect">
+                                  <p:stCondLst>
+                                    <p:cond delay="0"/>
+                                  </p:stCondLst>
+                                  <p:childTnLst>
+                                    <p:set>
+                                      <p:cBhvr>
+                                        <p:cTn id="60" dur="1" fill="hold">
+                                          <p:stCondLst>
+                                            <p:cond delay="0"/>
+                                          </p:stCondLst>
+                                        </p:cTn>
+                                        <p:tgtEl>
+                                          <p:spTgt spid="3">
+                                            <p:txEl>
+                                              <p:pRg st="9" end="9"/>
+                                            </p:txEl>
+                                          </p:spTgt>
+                                        </p:tgtEl>
+                                        <p:attrNameLst>
+                                          <p:attrName>style.visibility</p:attrName>
+                                        </p:attrNameLst>
+                                      </p:cBhvr>
+                                      <p:to>
+                                        <p:strVal val="visible"/>
+                                      </p:to>
+                                    </p:set>
+                                    <p:animEffect transition="in" filter="fade">
+                                      <p:cBhvr>
+                                        <p:cTn id="61" dur="1000"/>
+                                        <p:tgtEl>
+                                          <p:spTgt spid="3">
+                                            <p:txEl>
+                                              <p:pRg st="9" end="9"/>
+                                            </p:txEl>
+                                          </p:spTgt>
+                                        </p:tgtEl>
+                                      </p:cBhvr>
+                                    </p:animEffect>
+                                    <p:anim calcmode="lin" valueType="num">
+                                      <p:cBhvr>
+                                        <p:cTn id="62" dur="1000" fill="hold"/>
+                                        <p:tgtEl>
+                                          <p:spTgt spid="3">
+                                            <p:txEl>
+                                              <p:pRg st="9" end="9"/>
+                                            </p:txEl>
+                                          </p:spTgt>
+                                        </p:tgtEl>
+                                        <p:attrNameLst>
+                                          <p:attrName>ppt_x</p:attrName>
+                                        </p:attrNameLst>
+                                      </p:cBhvr>
+                                      <p:tavLst>
+                                        <p:tav tm="0">
+                                          <p:val>
+                                            <p:strVal val="#ppt_x"/>
+                                          </p:val>
+                                        </p:tav>
+                                        <p:tav tm="100000">
+                                          <p:val>
+                                            <p:strVal val="#ppt_x"/>
+                                          </p:val>
+                                        </p:tav>
+                                      </p:tavLst>
+                                    </p:anim>
+                                    <p:anim calcmode="lin" valueType="num">
+                                      <p:cBhvr>
+                                        <p:cTn id="63" dur="1000" fill="hold"/>
+                                        <p:tgtEl>
+                                          <p:spTgt spid="3">
+                                            <p:txEl>
+                                              <p:pRg st="9" end="9"/>
+                                            </p:txEl>
+                                          </p:spTgt>
+                                        </p:tgtEl>
+                                        <p:attrNameLst>
+                                          <p:attrName>ppt_y</p:attrName>
+                                        </p:attrNameLst>
+                                      </p:cBhvr>
+                                      <p:tavLst>
+                                        <p:tav tm="0">
+                                          <p:val>
+                                            <p:strVal val="#ppt_y+.1"/>
+                                          </p:val>
+                                        </p:tav>
+                                        <p:tav tm="100000">
+                                          <p:val>
+                                            <p:strVal val="#ppt_y"/>
+                                          </p:val>
+                                        </p:tav>
+                                      </p:tavLst>
+                                    </p:anim>
+                                  </p:childTnLst>
+                                </p:cTn>
+                              </p:par>
+                              <p:par>
+                                <p:cTn id="64" presetID="42" presetClass="entr" presetSubtype="0" fill="hold" grpId="0" nodeType="withEffect">
+                                  <p:stCondLst>
+                                    <p:cond delay="0"/>
+                                  </p:stCondLst>
+                                  <p:childTnLst>
+                                    <p:set>
+                                      <p:cBhvr>
+                                        <p:cTn id="65" dur="1" fill="hold">
+                                          <p:stCondLst>
+                                            <p:cond delay="0"/>
+                                          </p:stCondLst>
+                                        </p:cTn>
+                                        <p:tgtEl>
+                                          <p:spTgt spid="3">
+                                            <p:txEl>
+                                              <p:pRg st="10" end="10"/>
+                                            </p:txEl>
+                                          </p:spTgt>
+                                        </p:tgtEl>
+                                        <p:attrNameLst>
+                                          <p:attrName>style.visibility</p:attrName>
+                                        </p:attrNameLst>
+                                      </p:cBhvr>
+                                      <p:to>
+                                        <p:strVal val="visible"/>
+                                      </p:to>
+                                    </p:set>
+                                    <p:animEffect transition="in" filter="fade">
+                                      <p:cBhvr>
+                                        <p:cTn id="66" dur="1000"/>
+                                        <p:tgtEl>
+                                          <p:spTgt spid="3">
+                                            <p:txEl>
+                                              <p:pRg st="10" end="10"/>
+                                            </p:txEl>
+                                          </p:spTgt>
+                                        </p:tgtEl>
+                                      </p:cBhvr>
+                                    </p:animEffect>
+                                    <p:anim calcmode="lin" valueType="num">
+                                      <p:cBhvr>
+                                        <p:cTn id="67" dur="1000" fill="hold"/>
+                                        <p:tgtEl>
+                                          <p:spTgt spid="3">
+                                            <p:txEl>
+                                              <p:pRg st="10" end="10"/>
+                                            </p:txEl>
+                                          </p:spTgt>
+                                        </p:tgtEl>
+                                        <p:attrNameLst>
+                                          <p:attrName>ppt_x</p:attrName>
+                                        </p:attrNameLst>
+                                      </p:cBhvr>
+                                      <p:tavLst>
+                                        <p:tav tm="0">
+                                          <p:val>
+                                            <p:strVal val="#ppt_x"/>
+                                          </p:val>
+                                        </p:tav>
+                                        <p:tav tm="100000">
+                                          <p:val>
+                                            <p:strVal val="#ppt_x"/>
+                                          </p:val>
+                                        </p:tav>
+                                      </p:tavLst>
+                                    </p:anim>
+                                    <p:anim calcmode="lin" valueType="num">
+                                      <p:cBhvr>
+                                        <p:cTn id="68" dur="1000" fill="hold"/>
+                                        <p:tgtEl>
+                                          <p:spTgt spid="3">
+                                            <p:txEl>
+                                              <p:pRg st="10" end="10"/>
+                                            </p:txEl>
+                                          </p:spTgt>
+                                        </p:tgtEl>
+                                        <p:attrNameLst>
+                                          <p:attrName>ppt_y</p:attrName>
+                                        </p:attrNameLst>
+                                      </p:cBhvr>
+                                      <p:tavLst>
+                                        <p:tav tm="0">
+                                          <p:val>
+                                            <p:strVal val="#ppt_y+.1"/>
+                                          </p:val>
+                                        </p:tav>
+                                        <p:tav tm="100000">
+                                          <p:val>
+                                            <p:strVal val="#ppt_y"/>
+                                          </p:val>
+                                        </p:tav>
+                                      </p:tavLst>
+                                    </p:anim>
+                                  </p:childTnLst>
+                                </p:cTn>
+                              </p:par>
+                              <p:par>
+                                <p:cTn id="69" presetID="42" presetClass="entr" presetSubtype="0" fill="hold" grpId="0" nodeType="withEffect">
+                                  <p:stCondLst>
+                                    <p:cond delay="0"/>
+                                  </p:stCondLst>
+                                  <p:childTnLst>
+                                    <p:set>
+                                      <p:cBhvr>
+                                        <p:cTn id="70" dur="1" fill="hold">
+                                          <p:stCondLst>
+                                            <p:cond delay="0"/>
+                                          </p:stCondLst>
+                                        </p:cTn>
+                                        <p:tgtEl>
+                                          <p:spTgt spid="3">
+                                            <p:txEl>
+                                              <p:pRg st="11" end="11"/>
+                                            </p:txEl>
+                                          </p:spTgt>
+                                        </p:tgtEl>
+                                        <p:attrNameLst>
+                                          <p:attrName>style.visibility</p:attrName>
+                                        </p:attrNameLst>
+                                      </p:cBhvr>
+                                      <p:to>
+                                        <p:strVal val="visible"/>
+                                      </p:to>
+                                    </p:set>
+                                    <p:animEffect transition="in" filter="fade">
+                                      <p:cBhvr>
+                                        <p:cTn id="71" dur="1000"/>
+                                        <p:tgtEl>
+                                          <p:spTgt spid="3">
+                                            <p:txEl>
+                                              <p:pRg st="11" end="11"/>
+                                            </p:txEl>
+                                          </p:spTgt>
+                                        </p:tgtEl>
+                                      </p:cBhvr>
+                                    </p:animEffect>
+                                    <p:anim calcmode="lin" valueType="num">
+                                      <p:cBhvr>
+                                        <p:cTn id="72" dur="1000" fill="hold"/>
+                                        <p:tgtEl>
+                                          <p:spTgt spid="3">
+                                            <p:txEl>
+                                              <p:pRg st="11" end="11"/>
+                                            </p:txEl>
+                                          </p:spTgt>
+                                        </p:tgtEl>
+                                        <p:attrNameLst>
+                                          <p:attrName>ppt_x</p:attrName>
+                                        </p:attrNameLst>
+                                      </p:cBhvr>
+                                      <p:tavLst>
+                                        <p:tav tm="0">
+                                          <p:val>
+                                            <p:strVal val="#ppt_x"/>
+                                          </p:val>
+                                        </p:tav>
+                                        <p:tav tm="100000">
+                                          <p:val>
+                                            <p:strVal val="#ppt_x"/>
+                                          </p:val>
+                                        </p:tav>
+                                      </p:tavLst>
+                                    </p:anim>
+                                    <p:anim calcmode="lin" valueType="num">
+                                      <p:cBhvr>
+                                        <p:cTn id="73" dur="1000" fill="hold"/>
+                                        <p:tgtEl>
+                                          <p:spTgt spid="3">
+                                            <p:txEl>
+                                              <p:pRg st="11" end="11"/>
+                                            </p:txEl>
+                                          </p:spTgt>
+                                        </p:tgtEl>
+                                        <p:attrNameLst>
+                                          <p:attrName>ppt_y</p:attrName>
+                                        </p:attrNameLst>
+                                      </p:cBhvr>
+                                      <p:tavLst>
+                                        <p:tav tm="0">
+                                          <p:val>
+                                            <p:strVal val="#ppt_y+.1"/>
+                                          </p:val>
+                                        </p:tav>
+                                        <p:tav tm="100000">
+                                          <p:val>
+                                            <p:strVal val="#ppt_y"/>
+                                          </p:val>
+                                        </p:tav>
+                                      </p:tavLst>
+                                    </p:anim>
+                                  </p:childTnLst>
+                                </p:cTn>
+                              </p:par>
+                              <p:par>
+                                <p:cTn id="74" presetID="42" presetClass="entr" presetSubtype="0" fill="hold" grpId="0" nodeType="withEffect">
+                                  <p:stCondLst>
+                                    <p:cond delay="0"/>
+                                  </p:stCondLst>
+                                  <p:childTnLst>
+                                    <p:set>
+                                      <p:cBhvr>
+                                        <p:cTn id="75" dur="1" fill="hold">
+                                          <p:stCondLst>
+                                            <p:cond delay="0"/>
+                                          </p:stCondLst>
+                                        </p:cTn>
+                                        <p:tgtEl>
+                                          <p:spTgt spid="3">
+                                            <p:txEl>
+                                              <p:pRg st="12" end="12"/>
+                                            </p:txEl>
+                                          </p:spTgt>
+                                        </p:tgtEl>
+                                        <p:attrNameLst>
+                                          <p:attrName>style.visibility</p:attrName>
+                                        </p:attrNameLst>
+                                      </p:cBhvr>
+                                      <p:to>
+                                        <p:strVal val="visible"/>
+                                      </p:to>
+                                    </p:set>
+                                    <p:animEffect transition="in" filter="fade">
+                                      <p:cBhvr>
+                                        <p:cTn id="76" dur="1000"/>
+                                        <p:tgtEl>
+                                          <p:spTgt spid="3">
+                                            <p:txEl>
+                                              <p:pRg st="12" end="12"/>
+                                            </p:txEl>
+                                          </p:spTgt>
+                                        </p:tgtEl>
+                                      </p:cBhvr>
+                                    </p:animEffect>
+                                    <p:anim calcmode="lin" valueType="num">
+                                      <p:cBhvr>
+                                        <p:cTn id="77" dur="1000" fill="hold"/>
+                                        <p:tgtEl>
+                                          <p:spTgt spid="3">
+                                            <p:txEl>
+                                              <p:pRg st="12" end="12"/>
+                                            </p:txEl>
+                                          </p:spTgt>
+                                        </p:tgtEl>
+                                        <p:attrNameLst>
+                                          <p:attrName>ppt_x</p:attrName>
+                                        </p:attrNameLst>
+                                      </p:cBhvr>
+                                      <p:tavLst>
+                                        <p:tav tm="0">
+                                          <p:val>
+                                            <p:strVal val="#ppt_x"/>
+                                          </p:val>
+                                        </p:tav>
+                                        <p:tav tm="100000">
+                                          <p:val>
+                                            <p:strVal val="#ppt_x"/>
+                                          </p:val>
+                                        </p:tav>
+                                      </p:tavLst>
+                                    </p:anim>
+                                    <p:anim calcmode="lin" valueType="num">
+                                      <p:cBhvr>
+                                        <p:cTn id="78" dur="1000" fill="hold"/>
+                                        <p:tgtEl>
+                                          <p:spTgt spid="3">
+                                            <p:txEl>
+                                              <p:pRg st="12" end="12"/>
+                                            </p:txEl>
+                                          </p:spTgt>
+                                        </p:tgtEl>
+                                        <p:attrNameLst>
+                                          <p:attrName>ppt_y</p:attrName>
+                                        </p:attrNameLst>
+                                      </p:cBhvr>
+                                      <p:tavLst>
+                                        <p:tav tm="0">
+                                          <p:val>
+                                            <p:strVal val="#ppt_y+.1"/>
+                                          </p:val>
+                                        </p:tav>
+                                        <p:tav tm="100000">
+                                          <p:val>
+                                            <p:strVal val="#ppt_y"/>
+                                          </p:val>
+                                        </p:tav>
+                                      </p:tavLst>
+                                    </p:anim>
+                                  </p:childTnLst>
+                                </p:cTn>
+                              </p:par>
+                            </p:childTnLst>
+                          </p:cTn>
+                        </p:par>
+                      </p:childTnLst>
+                    </p:cTn>
+                  </p:par>
+                </p:childTnLst>
+              </p:cTn>
+              <p:prevCondLst>
+                <p:cond evt="onPrev" delay="0">
+                  <p:tgtEl>
+                    <p:sldTgt/>
+                  </p:tgtEl>
+                </p:cond>
+              </p:prevCondLst>
+              <p:nextCondLst>
+                <p:cond evt="onNext" delay="0">
+                  <p:tgtEl>
+                    <p:sldTgt/>
+                  </p:tgtEl>
+                </p:cond>
+              </p:nextCondLst>
+            </p:seq>
+          </p:childTnLst>
+        </p:cTn>
+      </p:par>
+    </p:tnLst>
+    <p:bldLst>
+      <p:bldP spid="2" grpId="0"/>
+      <p:bldP spid="3" grpId="0" build="p"/>
+    </p:bldLst>
+  </p:timing>
 </p:sld>
 </file>
 
@@ -6230,6 +7668,18 @@
   <p:clrMapOvr>
     <a:masterClrMapping/>
   </p:clrMapOvr>
+  <mc:AlternateContent xmlns:mc="http://schemas.openxmlformats.org/markup-compatibility/2006">
+    <mc:Choice xmlns:p14="http://schemas.microsoft.com/office/powerpoint/2010/main" Requires="p14">
+      <p:transition spd="slow" p14:dur="2000">
+        <p:randomBar dir="vert"/>
+      </p:transition>
+    </mc:Choice>
+    <mc:Fallback>
+      <p:transition spd="slow">
+        <p:randomBar dir="vert"/>
+      </p:transition>
+    </mc:Fallback>
+  </mc:AlternateContent>
 </p:sld>
 </file>
 
@@ -6321,6 +7771,18 @@
   <p:clrMapOvr>
     <a:masterClrMapping/>
   </p:clrMapOvr>
+  <mc:AlternateContent xmlns:mc="http://schemas.openxmlformats.org/markup-compatibility/2006">
+    <mc:Choice xmlns:p15="http://schemas.microsoft.com/office/powerpoint/2012/main" Requires="p15">
+      <p:transition xmlns:p14="http://schemas.microsoft.com/office/powerpoint/2010/main" spd="slow" p14:dur="2000">
+        <p15:prstTrans prst="fallOver"/>
+      </p:transition>
+    </mc:Choice>
+    <mc:Fallback>
+      <p:transition spd="slow">
+        <p:fade/>
+      </p:transition>
+    </mc:Fallback>
+  </mc:AlternateContent>
 </p:sld>
 </file>
 
@@ -6445,6 +7907,572 @@
   <p:clrMapOvr>
     <a:masterClrMapping/>
   </p:clrMapOvr>
+  <p:timing>
+    <p:tnLst>
+      <p:par>
+        <p:cTn id="1" dur="indefinite" restart="never" nodeType="tmRoot">
+          <p:childTnLst>
+            <p:seq concurrent="1" nextAc="seek">
+              <p:cTn id="2" dur="indefinite" nodeType="mainSeq">
+                <p:childTnLst>
+                  <p:par>
+                    <p:cTn id="3" fill="hold">
+                      <p:stCondLst>
+                        <p:cond delay="indefinite"/>
+                      </p:stCondLst>
+                      <p:childTnLst>
+                        <p:par>
+                          <p:cTn id="4" fill="hold">
+                            <p:stCondLst>
+                              <p:cond delay="0"/>
+                            </p:stCondLst>
+                            <p:childTnLst>
+                              <p:par>
+                                <p:cTn id="5" presetID="22" presetClass="entr" presetSubtype="4" fill="hold" grpId="0" nodeType="clickEffect">
+                                  <p:stCondLst>
+                                    <p:cond delay="0"/>
+                                  </p:stCondLst>
+                                  <p:childTnLst>
+                                    <p:set>
+                                      <p:cBhvr>
+                                        <p:cTn id="6" dur="1" fill="hold">
+                                          <p:stCondLst>
+                                            <p:cond delay="0"/>
+                                          </p:stCondLst>
+                                        </p:cTn>
+                                        <p:tgtEl>
+                                          <p:spTgt spid="2"/>
+                                        </p:tgtEl>
+                                        <p:attrNameLst>
+                                          <p:attrName>style.visibility</p:attrName>
+                                        </p:attrNameLst>
+                                      </p:cBhvr>
+                                      <p:to>
+                                        <p:strVal val="visible"/>
+                                      </p:to>
+                                    </p:set>
+                                    <p:animEffect transition="in" filter="wipe(down)">
+                                      <p:cBhvr>
+                                        <p:cTn id="7" dur="500"/>
+                                        <p:tgtEl>
+                                          <p:spTgt spid="2"/>
+                                        </p:tgtEl>
+                                      </p:cBhvr>
+                                    </p:animEffect>
+                                  </p:childTnLst>
+                                </p:cTn>
+                              </p:par>
+                            </p:childTnLst>
+                          </p:cTn>
+                        </p:par>
+                      </p:childTnLst>
+                    </p:cTn>
+                  </p:par>
+                  <p:par>
+                    <p:cTn id="8" fill="hold">
+                      <p:stCondLst>
+                        <p:cond delay="indefinite"/>
+                      </p:stCondLst>
+                      <p:childTnLst>
+                        <p:par>
+                          <p:cTn id="9" fill="hold">
+                            <p:stCondLst>
+                              <p:cond delay="0"/>
+                            </p:stCondLst>
+                            <p:childTnLst>
+                              <p:par>
+                                <p:cTn id="10" presetID="2" presetClass="entr" presetSubtype="4" fill="hold" grpId="0" nodeType="clickEffect">
+                                  <p:stCondLst>
+                                    <p:cond delay="0"/>
+                                  </p:stCondLst>
+                                  <p:childTnLst>
+                                    <p:set>
+                                      <p:cBhvr>
+                                        <p:cTn id="11" dur="1" fill="hold">
+                                          <p:stCondLst>
+                                            <p:cond delay="0"/>
+                                          </p:stCondLst>
+                                        </p:cTn>
+                                        <p:tgtEl>
+                                          <p:spTgt spid="3">
+                                            <p:txEl>
+                                              <p:pRg st="0" end="0"/>
+                                            </p:txEl>
+                                          </p:spTgt>
+                                        </p:tgtEl>
+                                        <p:attrNameLst>
+                                          <p:attrName>style.visibility</p:attrName>
+                                        </p:attrNameLst>
+                                      </p:cBhvr>
+                                      <p:to>
+                                        <p:strVal val="visible"/>
+                                      </p:to>
+                                    </p:set>
+                                    <p:anim calcmode="lin" valueType="num">
+                                      <p:cBhvr additive="base">
+                                        <p:cTn id="12" dur="500" fill="hold"/>
+                                        <p:tgtEl>
+                                          <p:spTgt spid="3">
+                                            <p:txEl>
+                                              <p:pRg st="0" end="0"/>
+                                            </p:txEl>
+                                          </p:spTgt>
+                                        </p:tgtEl>
+                                        <p:attrNameLst>
+                                          <p:attrName>ppt_x</p:attrName>
+                                        </p:attrNameLst>
+                                      </p:cBhvr>
+                                      <p:tavLst>
+                                        <p:tav tm="0">
+                                          <p:val>
+                                            <p:strVal val="#ppt_x"/>
+                                          </p:val>
+                                        </p:tav>
+                                        <p:tav tm="100000">
+                                          <p:val>
+                                            <p:strVal val="#ppt_x"/>
+                                          </p:val>
+                                        </p:tav>
+                                      </p:tavLst>
+                                    </p:anim>
+                                    <p:anim calcmode="lin" valueType="num">
+                                      <p:cBhvr additive="base">
+                                        <p:cTn id="13" dur="500" fill="hold"/>
+                                        <p:tgtEl>
+                                          <p:spTgt spid="3">
+                                            <p:txEl>
+                                              <p:pRg st="0" end="0"/>
+                                            </p:txEl>
+                                          </p:spTgt>
+                                        </p:tgtEl>
+                                        <p:attrNameLst>
+                                          <p:attrName>ppt_y</p:attrName>
+                                        </p:attrNameLst>
+                                      </p:cBhvr>
+                                      <p:tavLst>
+                                        <p:tav tm="0">
+                                          <p:val>
+                                            <p:strVal val="1+#ppt_h/2"/>
+                                          </p:val>
+                                        </p:tav>
+                                        <p:tav tm="100000">
+                                          <p:val>
+                                            <p:strVal val="#ppt_y"/>
+                                          </p:val>
+                                        </p:tav>
+                                      </p:tavLst>
+                                    </p:anim>
+                                  </p:childTnLst>
+                                </p:cTn>
+                              </p:par>
+                              <p:par>
+                                <p:cTn id="14" presetID="2" presetClass="entr" presetSubtype="4" fill="hold" grpId="0" nodeType="withEffect">
+                                  <p:stCondLst>
+                                    <p:cond delay="0"/>
+                                  </p:stCondLst>
+                                  <p:childTnLst>
+                                    <p:set>
+                                      <p:cBhvr>
+                                        <p:cTn id="15" dur="1" fill="hold">
+                                          <p:stCondLst>
+                                            <p:cond delay="0"/>
+                                          </p:stCondLst>
+                                        </p:cTn>
+                                        <p:tgtEl>
+                                          <p:spTgt spid="3">
+                                            <p:txEl>
+                                              <p:pRg st="1" end="1"/>
+                                            </p:txEl>
+                                          </p:spTgt>
+                                        </p:tgtEl>
+                                        <p:attrNameLst>
+                                          <p:attrName>style.visibility</p:attrName>
+                                        </p:attrNameLst>
+                                      </p:cBhvr>
+                                      <p:to>
+                                        <p:strVal val="visible"/>
+                                      </p:to>
+                                    </p:set>
+                                    <p:anim calcmode="lin" valueType="num">
+                                      <p:cBhvr additive="base">
+                                        <p:cTn id="16" dur="500" fill="hold"/>
+                                        <p:tgtEl>
+                                          <p:spTgt spid="3">
+                                            <p:txEl>
+                                              <p:pRg st="1" end="1"/>
+                                            </p:txEl>
+                                          </p:spTgt>
+                                        </p:tgtEl>
+                                        <p:attrNameLst>
+                                          <p:attrName>ppt_x</p:attrName>
+                                        </p:attrNameLst>
+                                      </p:cBhvr>
+                                      <p:tavLst>
+                                        <p:tav tm="0">
+                                          <p:val>
+                                            <p:strVal val="#ppt_x"/>
+                                          </p:val>
+                                        </p:tav>
+                                        <p:tav tm="100000">
+                                          <p:val>
+                                            <p:strVal val="#ppt_x"/>
+                                          </p:val>
+                                        </p:tav>
+                                      </p:tavLst>
+                                    </p:anim>
+                                    <p:anim calcmode="lin" valueType="num">
+                                      <p:cBhvr additive="base">
+                                        <p:cTn id="17" dur="500" fill="hold"/>
+                                        <p:tgtEl>
+                                          <p:spTgt spid="3">
+                                            <p:txEl>
+                                              <p:pRg st="1" end="1"/>
+                                            </p:txEl>
+                                          </p:spTgt>
+                                        </p:tgtEl>
+                                        <p:attrNameLst>
+                                          <p:attrName>ppt_y</p:attrName>
+                                        </p:attrNameLst>
+                                      </p:cBhvr>
+                                      <p:tavLst>
+                                        <p:tav tm="0">
+                                          <p:val>
+                                            <p:strVal val="1+#ppt_h/2"/>
+                                          </p:val>
+                                        </p:tav>
+                                        <p:tav tm="100000">
+                                          <p:val>
+                                            <p:strVal val="#ppt_y"/>
+                                          </p:val>
+                                        </p:tav>
+                                      </p:tavLst>
+                                    </p:anim>
+                                  </p:childTnLst>
+                                </p:cTn>
+                              </p:par>
+                              <p:par>
+                                <p:cTn id="18" presetID="2" presetClass="entr" presetSubtype="4" fill="hold" grpId="0" nodeType="withEffect">
+                                  <p:stCondLst>
+                                    <p:cond delay="0"/>
+                                  </p:stCondLst>
+                                  <p:childTnLst>
+                                    <p:set>
+                                      <p:cBhvr>
+                                        <p:cTn id="19" dur="1" fill="hold">
+                                          <p:stCondLst>
+                                            <p:cond delay="0"/>
+                                          </p:stCondLst>
+                                        </p:cTn>
+                                        <p:tgtEl>
+                                          <p:spTgt spid="3">
+                                            <p:txEl>
+                                              <p:pRg st="2" end="2"/>
+                                            </p:txEl>
+                                          </p:spTgt>
+                                        </p:tgtEl>
+                                        <p:attrNameLst>
+                                          <p:attrName>style.visibility</p:attrName>
+                                        </p:attrNameLst>
+                                      </p:cBhvr>
+                                      <p:to>
+                                        <p:strVal val="visible"/>
+                                      </p:to>
+                                    </p:set>
+                                    <p:anim calcmode="lin" valueType="num">
+                                      <p:cBhvr additive="base">
+                                        <p:cTn id="20" dur="500" fill="hold"/>
+                                        <p:tgtEl>
+                                          <p:spTgt spid="3">
+                                            <p:txEl>
+                                              <p:pRg st="2" end="2"/>
+                                            </p:txEl>
+                                          </p:spTgt>
+                                        </p:tgtEl>
+                                        <p:attrNameLst>
+                                          <p:attrName>ppt_x</p:attrName>
+                                        </p:attrNameLst>
+                                      </p:cBhvr>
+                                      <p:tavLst>
+                                        <p:tav tm="0">
+                                          <p:val>
+                                            <p:strVal val="#ppt_x"/>
+                                          </p:val>
+                                        </p:tav>
+                                        <p:tav tm="100000">
+                                          <p:val>
+                                            <p:strVal val="#ppt_x"/>
+                                          </p:val>
+                                        </p:tav>
+                                      </p:tavLst>
+                                    </p:anim>
+                                    <p:anim calcmode="lin" valueType="num">
+                                      <p:cBhvr additive="base">
+                                        <p:cTn id="21" dur="500" fill="hold"/>
+                                        <p:tgtEl>
+                                          <p:spTgt spid="3">
+                                            <p:txEl>
+                                              <p:pRg st="2" end="2"/>
+                                            </p:txEl>
+                                          </p:spTgt>
+                                        </p:tgtEl>
+                                        <p:attrNameLst>
+                                          <p:attrName>ppt_y</p:attrName>
+                                        </p:attrNameLst>
+                                      </p:cBhvr>
+                                      <p:tavLst>
+                                        <p:tav tm="0">
+                                          <p:val>
+                                            <p:strVal val="1+#ppt_h/2"/>
+                                          </p:val>
+                                        </p:tav>
+                                        <p:tav tm="100000">
+                                          <p:val>
+                                            <p:strVal val="#ppt_y"/>
+                                          </p:val>
+                                        </p:tav>
+                                      </p:tavLst>
+                                    </p:anim>
+                                  </p:childTnLst>
+                                </p:cTn>
+                              </p:par>
+                            </p:childTnLst>
+                          </p:cTn>
+                        </p:par>
+                      </p:childTnLst>
+                    </p:cTn>
+                  </p:par>
+                  <p:par>
+                    <p:cTn id="22" fill="hold">
+                      <p:stCondLst>
+                        <p:cond delay="indefinite"/>
+                      </p:stCondLst>
+                      <p:childTnLst>
+                        <p:par>
+                          <p:cTn id="23" fill="hold">
+                            <p:stCondLst>
+                              <p:cond delay="0"/>
+                            </p:stCondLst>
+                            <p:childTnLst>
+                              <p:par>
+                                <p:cTn id="24" presetID="2" presetClass="entr" presetSubtype="4" fill="hold" grpId="0" nodeType="clickEffect">
+                                  <p:stCondLst>
+                                    <p:cond delay="0"/>
+                                  </p:stCondLst>
+                                  <p:childTnLst>
+                                    <p:set>
+                                      <p:cBhvr>
+                                        <p:cTn id="25" dur="1" fill="hold">
+                                          <p:stCondLst>
+                                            <p:cond delay="0"/>
+                                          </p:stCondLst>
+                                        </p:cTn>
+                                        <p:tgtEl>
+                                          <p:spTgt spid="3">
+                                            <p:txEl>
+                                              <p:pRg st="3" end="3"/>
+                                            </p:txEl>
+                                          </p:spTgt>
+                                        </p:tgtEl>
+                                        <p:attrNameLst>
+                                          <p:attrName>style.visibility</p:attrName>
+                                        </p:attrNameLst>
+                                      </p:cBhvr>
+                                      <p:to>
+                                        <p:strVal val="visible"/>
+                                      </p:to>
+                                    </p:set>
+                                    <p:anim calcmode="lin" valueType="num">
+                                      <p:cBhvr additive="base">
+                                        <p:cTn id="26" dur="500" fill="hold"/>
+                                        <p:tgtEl>
+                                          <p:spTgt spid="3">
+                                            <p:txEl>
+                                              <p:pRg st="3" end="3"/>
+                                            </p:txEl>
+                                          </p:spTgt>
+                                        </p:tgtEl>
+                                        <p:attrNameLst>
+                                          <p:attrName>ppt_x</p:attrName>
+                                        </p:attrNameLst>
+                                      </p:cBhvr>
+                                      <p:tavLst>
+                                        <p:tav tm="0">
+                                          <p:val>
+                                            <p:strVal val="#ppt_x"/>
+                                          </p:val>
+                                        </p:tav>
+                                        <p:tav tm="100000">
+                                          <p:val>
+                                            <p:strVal val="#ppt_x"/>
+                                          </p:val>
+                                        </p:tav>
+                                      </p:tavLst>
+                                    </p:anim>
+                                    <p:anim calcmode="lin" valueType="num">
+                                      <p:cBhvr additive="base">
+                                        <p:cTn id="27" dur="500" fill="hold"/>
+                                        <p:tgtEl>
+                                          <p:spTgt spid="3">
+                                            <p:txEl>
+                                              <p:pRg st="3" end="3"/>
+                                            </p:txEl>
+                                          </p:spTgt>
+                                        </p:tgtEl>
+                                        <p:attrNameLst>
+                                          <p:attrName>ppt_y</p:attrName>
+                                        </p:attrNameLst>
+                                      </p:cBhvr>
+                                      <p:tavLst>
+                                        <p:tav tm="0">
+                                          <p:val>
+                                            <p:strVal val="1+#ppt_h/2"/>
+                                          </p:val>
+                                        </p:tav>
+                                        <p:tav tm="100000">
+                                          <p:val>
+                                            <p:strVal val="#ppt_y"/>
+                                          </p:val>
+                                        </p:tav>
+                                      </p:tavLst>
+                                    </p:anim>
+                                  </p:childTnLst>
+                                </p:cTn>
+                              </p:par>
+                            </p:childTnLst>
+                          </p:cTn>
+                        </p:par>
+                      </p:childTnLst>
+                    </p:cTn>
+                  </p:par>
+                  <p:par>
+                    <p:cTn id="28" fill="hold">
+                      <p:stCondLst>
+                        <p:cond delay="indefinite"/>
+                      </p:stCondLst>
+                      <p:childTnLst>
+                        <p:par>
+                          <p:cTn id="29" fill="hold">
+                            <p:stCondLst>
+                              <p:cond delay="0"/>
+                            </p:stCondLst>
+                            <p:childTnLst>
+                              <p:par>
+                                <p:cTn id="30" presetID="2" presetClass="entr" presetSubtype="4" fill="hold" grpId="0" nodeType="clickEffect">
+                                  <p:stCondLst>
+                                    <p:cond delay="0"/>
+                                  </p:stCondLst>
+                                  <p:childTnLst>
+                                    <p:set>
+                                      <p:cBhvr>
+                                        <p:cTn id="31" dur="1" fill="hold">
+                                          <p:stCondLst>
+                                            <p:cond delay="0"/>
+                                          </p:stCondLst>
+                                        </p:cTn>
+                                        <p:tgtEl>
+                                          <p:spTgt spid="3">
+                                            <p:txEl>
+                                              <p:pRg st="4" end="4"/>
+                                            </p:txEl>
+                                          </p:spTgt>
+                                        </p:tgtEl>
+                                        <p:attrNameLst>
+                                          <p:attrName>style.visibility</p:attrName>
+                                        </p:attrNameLst>
+                                      </p:cBhvr>
+                                      <p:to>
+                                        <p:strVal val="visible"/>
+                                      </p:to>
+                                    </p:set>
+                                    <p:anim calcmode="lin" valueType="num">
+                                      <p:cBhvr additive="base">
+                                        <p:cTn id="32" dur="500" fill="hold"/>
+                                        <p:tgtEl>
+                                          <p:spTgt spid="3">
+                                            <p:txEl>
+                                              <p:pRg st="4" end="4"/>
+                                            </p:txEl>
+                                          </p:spTgt>
+                                        </p:tgtEl>
+                                        <p:attrNameLst>
+                                          <p:attrName>ppt_x</p:attrName>
+                                        </p:attrNameLst>
+                                      </p:cBhvr>
+                                      <p:tavLst>
+                                        <p:tav tm="0">
+                                          <p:val>
+                                            <p:strVal val="#ppt_x"/>
+                                          </p:val>
+                                        </p:tav>
+                                        <p:tav tm="100000">
+                                          <p:val>
+                                            <p:strVal val="#ppt_x"/>
+                                          </p:val>
+                                        </p:tav>
+                                      </p:tavLst>
+                                    </p:anim>
+                                    <p:anim calcmode="lin" valueType="num">
+                                      <p:cBhvr additive="base">
+                                        <p:cTn id="33" dur="500" fill="hold"/>
+                                        <p:tgtEl>
+                                          <p:spTgt spid="3">
+                                            <p:txEl>
+                                              <p:pRg st="4" end="4"/>
+                                            </p:txEl>
+                                          </p:spTgt>
+                                        </p:tgtEl>
+                                        <p:attrNameLst>
+                                          <p:attrName>ppt_y</p:attrName>
+                                        </p:attrNameLst>
+                                      </p:cBhvr>
+                                      <p:tavLst>
+                                        <p:tav tm="0">
+                                          <p:val>
+                                            <p:strVal val="1+#ppt_h/2"/>
+                                          </p:val>
+                                        </p:tav>
+                                        <p:tav tm="100000">
+                                          <p:val>
+                                            <p:strVal val="#ppt_y"/>
+                                          </p:val>
+                                        </p:tav>
+                                      </p:tavLst>
+                                    </p:anim>
+                                  </p:childTnLst>
+                                </p:cTn>
+                              </p:par>
+                            </p:childTnLst>
+                          </p:cTn>
+                        </p:par>
+                      </p:childTnLst>
+                    </p:cTn>
+                  </p:par>
+                </p:childTnLst>
+              </p:cTn>
+              <p:prevCondLst>
+                <p:cond evt="onPrev" delay="0">
+                  <p:tgtEl>
+                    <p:sldTgt/>
+                  </p:tgtEl>
+                </p:cond>
+              </p:prevCondLst>
+              <p:nextCondLst>
+                <p:cond evt="onNext" delay="0">
+                  <p:tgtEl>
+                    <p:sldTgt/>
+                  </p:tgtEl>
+                </p:cond>
+              </p:nextCondLst>
+            </p:seq>
+          </p:childTnLst>
+        </p:cTn>
+      </p:par>
+    </p:tnLst>
+    <p:bldLst>
+      <p:bldP spid="2" grpId="0"/>
+      <p:bldP spid="3" grpId="0" build="p"/>
+    </p:bldLst>
+  </p:timing>
 </p:sld>
 </file>
 
@@ -6545,6 +8573,18 @@
   <p:clrMapOvr>
     <a:masterClrMapping/>
   </p:clrMapOvr>
+  <mc:AlternateContent xmlns:mc="http://schemas.openxmlformats.org/markup-compatibility/2006">
+    <mc:Choice xmlns:p14="http://schemas.microsoft.com/office/powerpoint/2010/main" Requires="p14">
+      <p:transition spd="slow" p14:dur="1500">
+        <p:split orient="vert"/>
+      </p:transition>
+    </mc:Choice>
+    <mc:Fallback>
+      <p:transition spd="slow">
+        <p:split orient="vert"/>
+      </p:transition>
+    </mc:Fallback>
+  </mc:AlternateContent>
 </p:sld>
 </file>
 
@@ -6636,6 +8676,9 @@
   <p:clrMapOvr>
     <a:masterClrMapping/>
   </p:clrMapOvr>
+  <p:transition spd="slow">
+    <p:wipe/>
+  </p:transition>
 </p:sld>
 </file>
 
@@ -6727,6 +8770,9 @@
   <p:clrMapOvr>
     <a:masterClrMapping/>
   </p:clrMapOvr>
+  <p:transition spd="slow">
+    <p:push dir="u"/>
+  </p:transition>
 </p:sld>
 </file>
 
@@ -6923,6 +8969,18 @@
   <p:clrMapOvr>
     <a:masterClrMapping/>
   </p:clrMapOvr>
+  <mc:AlternateContent xmlns:mc="http://schemas.openxmlformats.org/markup-compatibility/2006">
+    <mc:Choice xmlns:p14="http://schemas.microsoft.com/office/powerpoint/2010/main" Requires="p14">
+      <p:transition spd="slow" p14:dur="1200">
+        <p:zoom/>
+      </p:transition>
+    </mc:Choice>
+    <mc:Fallback>
+      <p:transition spd="slow">
+        <p:zoom/>
+      </p:transition>
+    </mc:Fallback>
+  </mc:AlternateContent>
 </p:sld>
 </file>
 

--- a/pearScalePres.pptx
+++ b/pearScalePres.pptx
@@ -5863,13 +5863,13 @@
   <p:clrMapOvr>
     <a:masterClrMapping/>
   </p:clrMapOvr>
-  <mc:AlternateContent xmlns:mc="http://schemas.openxmlformats.org/markup-compatibility/2006">
-    <mc:Choice xmlns:p159="http://schemas.microsoft.com/office/powerpoint/2015/09/main" Requires="p159">
+  <mc:AlternateContent xmlns:mc="http://schemas.openxmlformats.org/markup-compatibility/2006" xmlns:p159="http://schemas.microsoft.com/office/powerpoint/2015/09/main">
+    <mc:Choice Requires="p159">
       <p:transition xmlns:p14="http://schemas.microsoft.com/office/powerpoint/2010/main" spd="slow" p14:dur="2000">
         <p159:morph option="byObject"/>
       </p:transition>
     </mc:Choice>
-    <mc:Fallback>
+    <mc:Fallback xmlns="">
       <p:transition spd="slow">
         <p:fade/>
       </p:transition>
@@ -5959,13 +5959,13 @@
   <p:clrMapOvr>
     <a:masterClrMapping/>
   </p:clrMapOvr>
-  <mc:AlternateContent xmlns:mc="http://schemas.openxmlformats.org/markup-compatibility/2006">
-    <mc:Choice xmlns:p15="http://schemas.microsoft.com/office/powerpoint/2012/main" Requires="p15">
+  <mc:AlternateContent xmlns:mc="http://schemas.openxmlformats.org/markup-compatibility/2006" xmlns:p15="http://schemas.microsoft.com/office/powerpoint/2012/main">
+    <mc:Choice Requires="p15">
       <p:transition xmlns:p14="http://schemas.microsoft.com/office/powerpoint/2010/main" spd="slow" p14:dur="2000">
         <p15:prstTrans prst="wind"/>
       </p:transition>
     </mc:Choice>
-    <mc:Fallback>
+    <mc:Fallback xmlns="">
       <p:transition spd="slow">
         <p:fade/>
       </p:transition>
@@ -6110,7 +6110,7 @@
             <a:pPr lvl="1"/>
             <a:r>
               <a:rPr lang="en-US" dirty="0"/>
-              <a:t>Any page visitor can submit report on a pear if they feel like it.</a:t>
+              <a:t>Any page visitor can submit a report on a pear if they feel like it.</a:t>
             </a:r>
           </a:p>
           <a:p>
@@ -6162,13 +6162,13 @@
   <p:clrMapOvr>
     <a:masterClrMapping/>
   </p:clrMapOvr>
-  <mc:AlternateContent xmlns:mc="http://schemas.openxmlformats.org/markup-compatibility/2006">
-    <mc:Choice xmlns:p159="http://schemas.microsoft.com/office/powerpoint/2015/09/main" Requires="p159">
+  <mc:AlternateContent xmlns:mc="http://schemas.openxmlformats.org/markup-compatibility/2006" xmlns:p159="http://schemas.microsoft.com/office/powerpoint/2015/09/main">
+    <mc:Choice Requires="p159">
       <p:transition xmlns:p14="http://schemas.microsoft.com/office/powerpoint/2010/main" spd="slow" p14:dur="2000">
         <p159:morph option="byObject"/>
       </p:transition>
     </mc:Choice>
-    <mc:Fallback>
+    <mc:Fallback xmlns="">
       <p:transition spd="slow">
         <p:fade/>
       </p:transition>
@@ -7668,13 +7668,13 @@
   <p:clrMapOvr>
     <a:masterClrMapping/>
   </p:clrMapOvr>
-  <mc:AlternateContent xmlns:mc="http://schemas.openxmlformats.org/markup-compatibility/2006">
-    <mc:Choice xmlns:p14="http://schemas.microsoft.com/office/powerpoint/2010/main" Requires="p14">
+  <mc:AlternateContent xmlns:mc="http://schemas.openxmlformats.org/markup-compatibility/2006" xmlns:p14="http://schemas.microsoft.com/office/powerpoint/2010/main">
+    <mc:Choice Requires="p14">
       <p:transition spd="slow" p14:dur="2000">
         <p:randomBar dir="vert"/>
       </p:transition>
     </mc:Choice>
-    <mc:Fallback>
+    <mc:Fallback xmlns="">
       <p:transition spd="slow">
         <p:randomBar dir="vert"/>
       </p:transition>
@@ -7771,13 +7771,13 @@
   <p:clrMapOvr>
     <a:masterClrMapping/>
   </p:clrMapOvr>
-  <mc:AlternateContent xmlns:mc="http://schemas.openxmlformats.org/markup-compatibility/2006">
-    <mc:Choice xmlns:p15="http://schemas.microsoft.com/office/powerpoint/2012/main" Requires="p15">
+  <mc:AlternateContent xmlns:mc="http://schemas.openxmlformats.org/markup-compatibility/2006" xmlns:p15="http://schemas.microsoft.com/office/powerpoint/2012/main">
+    <mc:Choice Requires="p15">
       <p:transition xmlns:p14="http://schemas.microsoft.com/office/powerpoint/2010/main" spd="slow" p14:dur="2000">
         <p15:prstTrans prst="fallOver"/>
       </p:transition>
     </mc:Choice>
-    <mc:Fallback>
+    <mc:Fallback xmlns="">
       <p:transition spd="slow">
         <p:fade/>
       </p:transition>
@@ -8573,13 +8573,13 @@
   <p:clrMapOvr>
     <a:masterClrMapping/>
   </p:clrMapOvr>
-  <mc:AlternateContent xmlns:mc="http://schemas.openxmlformats.org/markup-compatibility/2006">
-    <mc:Choice xmlns:p14="http://schemas.microsoft.com/office/powerpoint/2010/main" Requires="p14">
+  <mc:AlternateContent xmlns:mc="http://schemas.openxmlformats.org/markup-compatibility/2006" xmlns:p14="http://schemas.microsoft.com/office/powerpoint/2010/main">
+    <mc:Choice Requires="p14">
       <p:transition spd="slow" p14:dur="1500">
         <p:split orient="vert"/>
       </p:transition>
     </mc:Choice>
-    <mc:Fallback>
+    <mc:Fallback xmlns="">
       <p:transition spd="slow">
         <p:split orient="vert"/>
       </p:transition>
@@ -8638,32 +8638,59 @@
           </a:p>
         </p:txBody>
       </p:sp>
+      <p:sp>
+        <p:nvSpPr>
+          <p:cNvPr id="4" name="Content Placeholder 3">
+            <a:extLst>
+              <a:ext uri="{FF2B5EF4-FFF2-40B4-BE49-F238E27FC236}">
+                <a16:creationId xmlns:a16="http://schemas.microsoft.com/office/drawing/2014/main" id="{F13A6913-5E88-478A-B738-A85AE72D0C3D}"/>
+              </a:ext>
+            </a:extLst>
+          </p:cNvPr>
+          <p:cNvSpPr>
+            <a:spLocks noGrp="1"/>
+          </p:cNvSpPr>
+          <p:nvPr>
+            <p:ph idx="1"/>
+          </p:nvPr>
+        </p:nvSpPr>
+        <p:spPr/>
+        <p:txBody>
+          <a:bodyPr/>
+          <a:lstStyle/>
+          <a:p>
+            <a:endParaRPr lang="en-US"/>
+          </a:p>
+        </p:txBody>
+      </p:sp>
       <p:pic>
         <p:nvPicPr>
-          <p:cNvPr id="5" name="Content Placeholder 4">
+          <p:cNvPr id="6" name="Picture 5">
             <a:extLst>
               <a:ext uri="{FF2B5EF4-FFF2-40B4-BE49-F238E27FC236}">
-                <a16:creationId xmlns:a16="http://schemas.microsoft.com/office/drawing/2014/main" id="{165528AD-51A1-4417-BFC2-40CB83950AA6}"/>
+                <a16:creationId xmlns:a16="http://schemas.microsoft.com/office/drawing/2014/main" id="{3D9AF5E2-39FE-43BA-99D2-22CFD6568B7B}"/>
               </a:ext>
             </a:extLst>
           </p:cNvPr>
           <p:cNvPicPr>
-            <a:picLocks noGrp="1" noChangeAspect="1"/>
+            <a:picLocks noChangeAspect="1"/>
           </p:cNvPicPr>
-          <p:nvPr>
-            <p:ph idx="1"/>
-          </p:nvPr>
+          <p:nvPr/>
         </p:nvPicPr>
         <p:blipFill>
           <a:blip r:embed="rId2"/>
-          <a:srcRect/>
-          <a:stretch/>
+          <a:stretch>
+            <a:fillRect/>
+          </a:stretch>
         </p:blipFill>
         <p:spPr>
           <a:xfrm>
-            <a:off x="321058" y="854303"/>
-            <a:ext cx="11549884" cy="5425310"/>
+            <a:off x="430184" y="751244"/>
+            <a:ext cx="11331632" cy="5654012"/>
           </a:xfrm>
+          <a:prstGeom prst="rect">
+            <a:avLst/>
+          </a:prstGeom>
         </p:spPr>
       </p:pic>
     </p:spTree>
@@ -8969,13 +8996,13 @@
   <p:clrMapOvr>
     <a:masterClrMapping/>
   </p:clrMapOvr>
-  <mc:AlternateContent xmlns:mc="http://schemas.openxmlformats.org/markup-compatibility/2006">
-    <mc:Choice xmlns:p14="http://schemas.microsoft.com/office/powerpoint/2010/main" Requires="p14">
+  <mc:AlternateContent xmlns:mc="http://schemas.openxmlformats.org/markup-compatibility/2006" xmlns:p14="http://schemas.microsoft.com/office/powerpoint/2010/main">
+    <mc:Choice Requires="p14">
       <p:transition spd="slow" p14:dur="1200">
         <p:zoom/>
       </p:transition>
     </mc:Choice>
-    <mc:Fallback>
+    <mc:Fallback xmlns="">
       <p:transition spd="slow">
         <p:zoom/>
       </p:transition>
